--- a/Teaching/Chemistry/Labs/FCC Chem 3A Expt 12b Determination of Citric Acid in Soda.pptx
+++ b/Teaching/Chemistry/Labs/FCC Chem 3A Expt 12b Determination of Citric Acid in Soda.pptx
@@ -5,22 +5,25 @@
     <p:sldMasterId id="2147483803" r:id="rId1"/>
   </p:sldMasterIdLst>
   <p:notesMasterIdLst>
-    <p:notesMasterId r:id="rId15"/>
+    <p:notesMasterId r:id="rId18"/>
   </p:notesMasterIdLst>
   <p:sldIdLst>
     <p:sldId id="608" r:id="rId2"/>
     <p:sldId id="609" r:id="rId3"/>
     <p:sldId id="616" r:id="rId4"/>
-    <p:sldId id="618" r:id="rId5"/>
-    <p:sldId id="619" r:id="rId6"/>
-    <p:sldId id="620" r:id="rId7"/>
-    <p:sldId id="613" r:id="rId8"/>
-    <p:sldId id="610" r:id="rId9"/>
-    <p:sldId id="617" r:id="rId10"/>
-    <p:sldId id="622" r:id="rId11"/>
+    <p:sldId id="613" r:id="rId5"/>
+    <p:sldId id="624" r:id="rId6"/>
+    <p:sldId id="610" r:id="rId7"/>
+    <p:sldId id="625" r:id="rId8"/>
+    <p:sldId id="626" r:id="rId9"/>
+    <p:sldId id="627" r:id="rId10"/>
+    <p:sldId id="628" r:id="rId11"/>
     <p:sldId id="621" r:id="rId12"/>
     <p:sldId id="623" r:id="rId13"/>
-    <p:sldId id="612" r:id="rId14"/>
+    <p:sldId id="629" r:id="rId14"/>
+    <p:sldId id="630" r:id="rId15"/>
+    <p:sldId id="631" r:id="rId16"/>
+    <p:sldId id="612" r:id="rId17"/>
   </p:sldIdLst>
   <p:sldSz cx="9144000" cy="6858000" type="screen4x3"/>
   <p:notesSz cx="7315200" cy="9601200"/>
@@ -10324,7 +10327,7 @@
         <p:cNvPr id="1" name="">
           <a:extLst>
             <a:ext uri="{FF2B5EF4-FFF2-40B4-BE49-F238E27FC236}">
-              <a16:creationId xmlns:a16="http://schemas.microsoft.com/office/drawing/2014/main" id="{80032430-C568-9444-018A-4A293518DCCA}"/>
+              <a16:creationId xmlns:a16="http://schemas.microsoft.com/office/drawing/2014/main" id="{E74193DE-449A-944A-8E23-672B79ED60A1}"/>
             </a:ext>
           </a:extLst>
         </p:cNvPr>
@@ -10344,7 +10347,7 @@
           <p:cNvPr id="2" name="Title 1">
             <a:extLst>
               <a:ext uri="{FF2B5EF4-FFF2-40B4-BE49-F238E27FC236}">
-                <a16:creationId xmlns:a16="http://schemas.microsoft.com/office/drawing/2014/main" id="{8B652173-3E63-7A53-DF9E-053FCE100E99}"/>
+                <a16:creationId xmlns:a16="http://schemas.microsoft.com/office/drawing/2014/main" id="{3D970783-87B0-363C-2AF3-4043394B0A93}"/>
               </a:ext>
             </a:extLst>
           </p:cNvPr>
@@ -10377,7 +10380,7 @@
           <p:cNvPr id="6" name="Content Placeholder 5">
             <a:extLst>
               <a:ext uri="{FF2B5EF4-FFF2-40B4-BE49-F238E27FC236}">
-                <a16:creationId xmlns:a16="http://schemas.microsoft.com/office/drawing/2014/main" id="{2D45A565-8AD4-F37F-9436-FAD0B19DA96C}"/>
+                <a16:creationId xmlns:a16="http://schemas.microsoft.com/office/drawing/2014/main" id="{3EF70B1B-64A2-DAE7-201E-BD936880A63B}"/>
               </a:ext>
             </a:extLst>
           </p:cNvPr>
@@ -10402,197 +10405,106 @@
               <a:buNone/>
             </a:pPr>
             <a:r>
-              <a:rPr lang="en-US" sz="2800" i="1" dirty="0">
+              <a:rPr lang="en-US" i="1" dirty="0">
                 <a:solidFill>
                   <a:srgbClr val="00FF00"/>
                 </a:solidFill>
               </a:rPr>
-              <a:t>Reaction</a:t>
+              <a:t>Part II-Determination</a:t>
             </a:r>
           </a:p>
           <a:p>
             <a:pPr marL="457200" indent="-457200">
               <a:buFont typeface="+mj-lt"/>
-              <a:buAutoNum type="arabicPeriod"/>
+              <a:buAutoNum type="arabicPeriod" startAt="14"/>
             </a:pPr>
             <a:r>
-              <a:rPr lang="en-US" sz="2200" dirty="0"/>
-              <a:t>Heat the contents with a </a:t>
-            </a:r>
-            <a:r>
-              <a:rPr lang="en-US" sz="2200" dirty="0">
-                <a:solidFill>
-                  <a:schemeClr val="accent1">
-                    <a:lumMod val="60000"/>
-                    <a:lumOff val="40000"/>
-                  </a:schemeClr>
-                </a:solidFill>
-              </a:rPr>
-              <a:t>blue flame </a:t>
-            </a:r>
-            <a:r>
-              <a:rPr lang="en-US" sz="2200" dirty="0"/>
-              <a:t>of the </a:t>
-            </a:r>
-            <a:r>
-              <a:rPr lang="en-US" sz="2200" dirty="0">
-                <a:solidFill>
-                  <a:schemeClr val="accent1">
-                    <a:lumMod val="60000"/>
-                    <a:lumOff val="40000"/>
-                  </a:schemeClr>
-                </a:solidFill>
-              </a:rPr>
-              <a:t>Bunsen burner</a:t>
-            </a:r>
-            <a:r>
-              <a:rPr lang="en-US" sz="2200" dirty="0"/>
-              <a:t>. The </a:t>
-            </a:r>
-            <a:r>
-              <a:rPr lang="en-US" sz="2200" dirty="0">
-                <a:solidFill>
-                  <a:srgbClr val="FFFF00"/>
-                </a:solidFill>
-              </a:rPr>
-              <a:t>sulfur</a:t>
-            </a:r>
-            <a:r>
-              <a:rPr lang="en-US" sz="2200" dirty="0"/>
-              <a:t> will melt within about a minute.</a:t>
+              <a:rPr lang="en-US" dirty="0"/>
+              <a:t> Get about 40 mL of soft drink in small beaker. Note it will have lost its carbonation.</a:t>
             </a:r>
           </a:p>
           <a:p>
             <a:pPr marL="457200" indent="-457200">
               <a:buFont typeface="+mj-lt"/>
-              <a:buAutoNum type="arabicPeriod"/>
+              <a:buAutoNum type="arabicPeriod" startAt="14"/>
             </a:pPr>
             <a:r>
-              <a:rPr lang="en-US" sz="2200" dirty="0"/>
-              <a:t>Use the </a:t>
-            </a:r>
-            <a:r>
-              <a:rPr lang="en-US" sz="2200" dirty="0">
-                <a:solidFill>
-                  <a:schemeClr val="accent1">
-                    <a:lumMod val="60000"/>
-                    <a:lumOff val="40000"/>
-                  </a:schemeClr>
-                </a:solidFill>
-              </a:rPr>
-              <a:t>crucible tongs </a:t>
-            </a:r>
-            <a:r>
-              <a:rPr lang="en-US" sz="2200" dirty="0"/>
-              <a:t>to transfer the crucible to the </a:t>
-            </a:r>
-            <a:r>
-              <a:rPr lang="en-US" sz="2200" dirty="0">
-                <a:solidFill>
-                  <a:schemeClr val="accent1">
-                    <a:lumMod val="60000"/>
-                    <a:lumOff val="40000"/>
-                  </a:schemeClr>
-                </a:solidFill>
-              </a:rPr>
-              <a:t>wire mesh. </a:t>
-            </a:r>
-            <a:r>
-              <a:rPr lang="en-US" sz="2200" dirty="0"/>
-              <a:t>The</a:t>
-            </a:r>
-            <a:r>
-              <a:rPr lang="en-US" sz="2200" dirty="0">
-                <a:solidFill>
-                  <a:schemeClr val="accent1">
-                    <a:lumMod val="60000"/>
-                    <a:lumOff val="40000"/>
-                  </a:schemeClr>
-                </a:solidFill>
-              </a:rPr>
-              <a:t> </a:t>
-            </a:r>
-            <a:r>
-              <a:rPr lang="en-US" sz="2200" dirty="0"/>
-              <a:t>melted sulfur reacts with the copper during this time.</a:t>
+              <a:rPr lang="en-US" dirty="0"/>
+              <a:t> Use a 10 mL volumetric pipet to transfer precisely 10.00 mL to clean, well-rinsed Erlenmeyer flask.</a:t>
             </a:r>
           </a:p>
           <a:p>
             <a:pPr marL="457200" indent="-457200">
               <a:buFont typeface="+mj-lt"/>
-              <a:buAutoNum type="arabicPeriod"/>
+              <a:buAutoNum type="arabicPeriod" startAt="14"/>
             </a:pPr>
             <a:r>
-              <a:rPr lang="en-US" sz="2200" dirty="0"/>
-              <a:t>Put the crucible back on the flame: the unreacted sulfur will burn off, forming sulfur dioxide (SO</a:t>
-            </a:r>
-            <a:r>
-              <a:rPr lang="en-US" sz="2200" baseline="-25000" dirty="0"/>
-              <a:t>2</a:t>
-            </a:r>
-            <a:r>
-              <a:rPr lang="en-US" sz="2200" dirty="0"/>
-              <a:t>) gas, vented in the hood. The crucible looks clean and dry except for the coil of copper sulfide.</a:t>
+              <a:rPr lang="en-US" dirty="0"/>
+              <a:t> Add 2-3 </a:t>
+            </a:r>
+            <a:r>
+              <a:rPr lang="en-US" dirty="0" err="1"/>
+              <a:t>gtt</a:t>
+            </a:r>
+            <a:r>
+              <a:rPr lang="en-US" dirty="0"/>
+              <a:t> phenolphthalein indicator to flask</a:t>
             </a:r>
           </a:p>
           <a:p>
             <a:pPr marL="457200" indent="-457200">
               <a:buFont typeface="+mj-lt"/>
-              <a:buAutoNum type="arabicPeriod"/>
+              <a:buAutoNum type="arabicPeriod" startAt="14"/>
             </a:pPr>
             <a:r>
-              <a:rPr lang="en-US" sz="2200" dirty="0"/>
-              <a:t>Set the crucible again on the wire mesh to cool</a:t>
+              <a:rPr lang="en-US" dirty="0"/>
+              <a:t> Fill the </a:t>
+            </a:r>
+            <a:r>
+              <a:rPr lang="en-US" dirty="0" err="1"/>
+              <a:t>buret</a:t>
+            </a:r>
+            <a:r>
+              <a:rPr lang="en-US" dirty="0"/>
+              <a:t> to between 0-3 mL marks with the ~0.1 M NaOH solution.</a:t>
             </a:r>
           </a:p>
           <a:p>
             <a:pPr marL="457200" indent="-457200">
               <a:buFont typeface="+mj-lt"/>
-              <a:buAutoNum type="arabicPeriod"/>
+              <a:buAutoNum type="arabicPeriod" startAt="14"/>
             </a:pPr>
             <a:r>
-              <a:rPr lang="en-US" sz="2200" dirty="0"/>
-              <a:t>Record mass of crucible with the new compound (</a:t>
-            </a:r>
-            <a:r>
-              <a:rPr lang="en-US" sz="2200" b="1" dirty="0"/>
-              <a:t>D</a:t>
-            </a:r>
-            <a:r>
-              <a:rPr lang="en-US" sz="2200" dirty="0"/>
-              <a:t>)</a:t>
+              <a:rPr lang="en-US" dirty="0"/>
+              <a:t> Titrate the soda as for the standardization procedure</a:t>
             </a:r>
           </a:p>
           <a:p>
             <a:pPr marL="457200" indent="-457200">
               <a:buFont typeface="+mj-lt"/>
-              <a:buAutoNum type="arabicPeriod"/>
+              <a:buAutoNum type="arabicPeriod" startAt="14"/>
             </a:pPr>
             <a:r>
-              <a:rPr lang="en-US" sz="2200" dirty="0"/>
-              <a:t>Carefully tip crucible contents on to watch glass and make observations of physical properties</a:t>
+              <a:rPr lang="en-US" dirty="0"/>
+              <a:t> Record final volume</a:t>
             </a:r>
           </a:p>
           <a:p>
             <a:pPr marL="457200" indent="-457200">
               <a:buFont typeface="+mj-lt"/>
-              <a:buAutoNum type="arabicPeriod"/>
+              <a:buAutoNum type="arabicPeriod" startAt="14"/>
             </a:pPr>
-            <a:endParaRPr lang="en-US" dirty="0"/>
-          </a:p>
-          <a:p>
-            <a:pPr marL="457200" indent="-457200">
-              <a:buFont typeface="+mj-lt"/>
-              <a:buAutoNum type="arabicPeriod"/>
-            </a:pPr>
-            <a:endParaRPr lang="en-US" sz="2800" dirty="0"/>
+            <a:r>
+              <a:rPr lang="en-US" dirty="0"/>
+              <a:t> Repeat the number of trials.</a:t>
+            </a:r>
           </a:p>
         </p:txBody>
       </p:sp>
     </p:spTree>
     <p:extLst>
       <p:ext uri="{BB962C8B-B14F-4D97-AF65-F5344CB8AC3E}">
-        <p14:creationId xmlns:p14="http://schemas.microsoft.com/office/powerpoint/2010/main" val="943315025"/>
+        <p14:creationId xmlns:p14="http://schemas.microsoft.com/office/powerpoint/2010/main" val="1583212010"/>
       </p:ext>
     </p:extLst>
   </p:cSld>
@@ -10676,7 +10588,7 @@
         </p:nvSpPr>
         <p:spPr>
           <a:xfrm>
-            <a:off x="372533" y="952466"/>
+            <a:off x="364718" y="944651"/>
             <a:ext cx="8387645" cy="5595089"/>
           </a:xfrm>
         </p:spPr>
@@ -10684,20 +10596,26 @@
           <a:bodyPr/>
           <a:lstStyle/>
           <a:p>
+            <a:pPr marL="0" indent="0">
+              <a:buNone/>
+            </a:pPr>
+            <a:r>
+              <a:rPr lang="en-US" i="1" dirty="0">
+                <a:solidFill>
+                  <a:srgbClr val="00FF00"/>
+                </a:solidFill>
+              </a:rPr>
+              <a:t>Part I-Standardization</a:t>
+            </a:r>
+          </a:p>
+          <a:p>
             <a:pPr marL="457200" indent="-457200">
               <a:buFont typeface="+mj-lt"/>
               <a:buAutoNum type="arabicPeriod"/>
             </a:pPr>
             <a:r>
               <a:rPr lang="en-US" dirty="0"/>
-              <a:t>Suppose A=23.7584 g, B=34.3532 g,</a:t>
-            </a:r>
-            <a:br>
-              <a:rPr lang="en-US" dirty="0"/>
-            </a:br>
-            <a:r>
-              <a:rPr lang="en-US" dirty="0"/>
-              <a:t>C=37.5732 g. After the reaction, D=36.7841 g</a:t>
+              <a:t>Calculate the moles of NaOH reacting with the known mass of oxalic acid. Note that 2 mol NaOH reacts with 1 mol oxalic acid</a:t>
             </a:r>
           </a:p>
           <a:p>
@@ -10707,14 +10625,7 @@
             </a:pPr>
             <a:r>
               <a:rPr lang="en-US" dirty="0"/>
-              <a:t>[B-A]=10.5948 g, [C-B]=3.2200 g,</a:t>
-            </a:r>
-            <a:br>
-              <a:rPr lang="en-US" dirty="0"/>
-            </a:br>
-            <a:r>
-              <a:rPr lang="en-US" dirty="0"/>
-              <a:t>[D-A]=13.0257 g</a:t>
+              <a:t>Convert the NaOH titrant volume from mL to L</a:t>
             </a:r>
           </a:p>
           <a:p>
@@ -10724,7 +10635,20 @@
             </a:pPr>
             <a:r>
               <a:rPr lang="en-US" dirty="0"/>
-              <a:t>Copper reacted should be same as initial copper, because copper doesn’t go anywhere</a:t>
+              <a:t>Calculate the concentration (molarity) of NaOH from the standardization</a:t>
+            </a:r>
+          </a:p>
+          <a:p>
+            <a:pPr marL="0" indent="0">
+              <a:buNone/>
+            </a:pPr>
+            <a:r>
+              <a:rPr lang="en-US" i="1" dirty="0">
+                <a:solidFill>
+                  <a:srgbClr val="00FF00"/>
+                </a:solidFill>
+              </a:rPr>
+              <a:t>Part II-Determination</a:t>
             </a:r>
           </a:p>
           <a:p>
@@ -10734,7 +10658,7 @@
             </a:pPr>
             <a:r>
               <a:rPr lang="en-US" dirty="0"/>
-              <a:t>Sulfur reacted should be [D-A]-[B-A]=13.0257 g - 10.5948 g= 2.4309 g</a:t>
+              <a:t>Calculate the liters NaOH (from mL) titrant used for the citric acid</a:t>
             </a:r>
           </a:p>
           <a:p>
@@ -10744,7 +10668,7 @@
             </a:pPr>
             <a:r>
               <a:rPr lang="en-US" dirty="0"/>
-              <a:t>Excess sulfur = [C-B]-2.4309 g = 3.2200 g – 2.4309 g =0.7891 g </a:t>
+              <a:t>Calculate the mole citric acid using mean NaOH concentration and volume NaOH. 3 mol NaOH reacts with 1 mol citric acid</a:t>
             </a:r>
           </a:p>
           <a:p>
@@ -10753,38 +10677,6 @@
               <a:buAutoNum type="arabicPeriod"/>
             </a:pPr>
             <a:endParaRPr lang="en-US" dirty="0"/>
-          </a:p>
-          <a:p>
-            <a:pPr marL="0" indent="0">
-              <a:buNone/>
-            </a:pPr>
-            <a:r>
-              <a:rPr lang="en-US" dirty="0"/>
-              <a:t>Mass ratio </a:t>
-            </a:r>
-            <a:r>
-              <a:rPr lang="en-US" sz="2000" dirty="0"/>
-              <a:t>= </a:t>
-            </a:r>
-            <a:r>
-              <a:rPr lang="en-US" sz="1800" dirty="0"/>
-              <a:t>c</a:t>
-            </a:r>
-            <a:r>
-              <a:rPr lang="en-US" sz="2000" dirty="0"/>
-              <a:t>opper/sulfur reacted =</a:t>
-            </a:r>
-            <a:r>
-              <a:rPr lang="en-US" dirty="0"/>
-              <a:t> 10.5948 g/2.4309 g</a:t>
-            </a:r>
-            <a:br>
-              <a:rPr lang="en-US" dirty="0"/>
-            </a:br>
-            <a:r>
-              <a:rPr lang="en-US" dirty="0"/>
-              <a:t>= 4.3583</a:t>
-            </a:r>
           </a:p>
         </p:txBody>
       </p:sp>
@@ -10842,545 +10734,53 @@
         </p:nvSpPr>
         <p:spPr>
           <a:xfrm>
-            <a:off x="338666" y="183025"/>
-            <a:ext cx="8421512" cy="769441"/>
+            <a:off x="349955" y="363788"/>
+            <a:ext cx="8421512" cy="830997"/>
           </a:xfrm>
         </p:spPr>
         <p:txBody>
-          <a:bodyPr/>
+          <a:bodyPr wrap="square" anchor="ctr">
+            <a:normAutofit/>
+          </a:bodyPr>
           <a:lstStyle/>
           <a:p>
             <a:r>
-              <a:rPr lang="en-US" sz="4400" dirty="0"/>
+              <a:rPr lang="en-US"/>
               <a:t>Example Data Analysis</a:t>
             </a:r>
           </a:p>
         </p:txBody>
       </p:sp>
-      <mc:AlternateContent xmlns:mc="http://schemas.openxmlformats.org/markup-compatibility/2006" xmlns:a14="http://schemas.microsoft.com/office/drawing/2010/main">
-        <mc:Choice Requires="a14">
-          <p:sp>
-            <p:nvSpPr>
-              <p:cNvPr id="6" name="Content Placeholder 5">
-                <a:extLst>
-                  <a:ext uri="{FF2B5EF4-FFF2-40B4-BE49-F238E27FC236}">
-                    <a16:creationId xmlns:a16="http://schemas.microsoft.com/office/drawing/2014/main" id="{A7219B4E-9803-A35C-5535-085CE995377D}"/>
-                  </a:ext>
-                </a:extLst>
-              </p:cNvPr>
-              <p:cNvSpPr>
-                <a:spLocks noGrp="1"/>
-              </p:cNvSpPr>
-              <p:nvPr>
-                <p:ph idx="1"/>
-              </p:nvPr>
-            </p:nvSpPr>
-            <p:spPr>
-              <a:xfrm>
-                <a:off x="372533" y="952466"/>
-                <a:ext cx="8387645" cy="5595089"/>
-              </a:xfrm>
-            </p:spPr>
-            <p:txBody>
-              <a:bodyPr/>
-              <a:lstStyle/>
-              <a:p>
-                <a:pPr marL="0" indent="0">
-                  <a:buNone/>
-                </a:pPr>
-                <a:r>
-                  <a:rPr lang="en-US" dirty="0"/>
-                  <a:t>What does the mass ratio show?</a:t>
-                </a:r>
-              </a:p>
-              <a:p>
-                <a:pPr marL="0" indent="0">
-                  <a:buNone/>
-                </a:pPr>
-                <a:r>
-                  <a:rPr lang="en-US" dirty="0"/>
-                  <a:t>For every 1 g of S, there are about 4.4 g Cu</a:t>
-                </a:r>
-              </a:p>
-              <a:p>
-                <a:pPr marL="0" indent="0">
-                  <a:buNone/>
-                </a:pPr>
-                <a:endParaRPr lang="en-US" sz="1200" dirty="0"/>
-              </a:p>
-              <a:p>
-                <a:pPr marL="0" indent="0">
-                  <a:buNone/>
-                </a:pPr>
-                <a:r>
-                  <a:rPr lang="en-US" dirty="0"/>
-                  <a:t>Look at the molar masses of S and Cu.</a:t>
-                </a:r>
-              </a:p>
-              <a:p>
-                <a:pPr marL="0" indent="0">
-                  <a:buNone/>
-                </a:pPr>
-                <a:endParaRPr lang="en-US" sz="1200" dirty="0"/>
-              </a:p>
-              <a:p>
-                <a:pPr marL="0" indent="0">
-                  <a:buNone/>
-                </a:pPr>
-                <a:r>
-                  <a:rPr lang="en-US" dirty="0"/>
-                  <a:t>If there are 32.065 g/mol S and 63.546 g/mol Cu, and there are 2 mol Cu and 1 mol S in Cu</a:t>
-                </a:r>
-                <a:r>
-                  <a:rPr lang="en-US" baseline="-25000" dirty="0"/>
-                  <a:t>2</a:t>
-                </a:r>
-                <a:r>
-                  <a:rPr lang="en-US" dirty="0"/>
-                  <a:t>S, then what is the theoretical mass ratio of S to Cu in Cu</a:t>
-                </a:r>
-                <a:r>
-                  <a:rPr lang="en-US" baseline="-25000" dirty="0"/>
-                  <a:t>2</a:t>
-                </a:r>
-                <a:r>
-                  <a:rPr lang="en-US" dirty="0"/>
-                  <a:t>S?</a:t>
-                </a:r>
-              </a:p>
-              <a:p>
-                <a:pPr marL="0" indent="0">
-                  <a:buNone/>
-                </a:pPr>
-                <a:endParaRPr lang="en-US" dirty="0"/>
-              </a:p>
-              <a:p>
-                <a:pPr marL="0" indent="0">
-                  <a:buNone/>
-                </a:pPr>
-                <a14:m>
-                  <m:oMathPara xmlns:m="http://schemas.openxmlformats.org/officeDocument/2006/math">
-                    <m:oMathParaPr>
-                      <m:jc m:val="centerGroup"/>
-                    </m:oMathParaPr>
-                    <m:oMath xmlns:m="http://schemas.openxmlformats.org/officeDocument/2006/math">
-                      <m:f>
-                        <m:fPr>
-                          <m:ctrlPr>
-                            <a:rPr lang="en-US" i="1" smtClean="0">
-                              <a:latin typeface="Cambria Math" panose="02040503050406030204" pitchFamily="18" charset="0"/>
-                            </a:rPr>
-                          </m:ctrlPr>
-                        </m:fPr>
-                        <m:num>
-                          <m:f>
-                            <m:fPr>
-                              <m:ctrlPr>
-                                <a:rPr lang="en-US" i="1" smtClean="0">
-                                  <a:latin typeface="Cambria Math" panose="02040503050406030204" pitchFamily="18" charset="0"/>
-                                </a:rPr>
-                              </m:ctrlPr>
-                            </m:fPr>
-                            <m:num>
-                              <m:r>
-                                <m:rPr>
-                                  <m:nor/>
-                                </m:rPr>
-                                <a:rPr lang="en-US" b="0" i="0" smtClean="0">
-                                  <a:latin typeface="Cambria Math" panose="02040503050406030204" pitchFamily="18" charset="0"/>
-                                </a:rPr>
-                                <m:t>63.546 </m:t>
-                              </m:r>
-                              <m:r>
-                                <m:rPr>
-                                  <m:nor/>
-                                </m:rPr>
-                                <a:rPr lang="en-US" b="0" i="0" smtClean="0">
-                                  <a:latin typeface="Cambria Math" panose="02040503050406030204" pitchFamily="18" charset="0"/>
-                                </a:rPr>
-                                <m:t>g</m:t>
-                              </m:r>
-                              <m:r>
-                                <m:rPr>
-                                  <m:nor/>
-                                </m:rPr>
-                                <a:rPr lang="en-US" b="0" i="0" smtClean="0">
-                                  <a:latin typeface="Cambria Math" panose="02040503050406030204" pitchFamily="18" charset="0"/>
-                                </a:rPr>
-                                <m:t> </m:t>
-                              </m:r>
-                              <m:r>
-                                <m:rPr>
-                                  <m:nor/>
-                                </m:rPr>
-                                <a:rPr lang="en-US" b="0" i="0" smtClean="0">
-                                  <a:latin typeface="Cambria Math" panose="02040503050406030204" pitchFamily="18" charset="0"/>
-                                </a:rPr>
-                                <m:t>Cu</m:t>
-                              </m:r>
-                            </m:num>
-                            <m:den>
-                              <m:r>
-                                <m:rPr>
-                                  <m:nor/>
-                                </m:rPr>
-                                <a:rPr lang="en-US" b="0" i="0" smtClean="0">
-                                  <a:latin typeface="Cambria Math" panose="02040503050406030204" pitchFamily="18" charset="0"/>
-                                </a:rPr>
-                                <m:t>mol</m:t>
-                              </m:r>
-                              <m:r>
-                                <m:rPr>
-                                  <m:nor/>
-                                </m:rPr>
-                                <a:rPr lang="en-US" b="0" i="0" smtClean="0">
-                                  <a:latin typeface="Cambria Math" panose="02040503050406030204" pitchFamily="18" charset="0"/>
-                                </a:rPr>
-                                <m:t> </m:t>
-                              </m:r>
-                              <m:r>
-                                <m:rPr>
-                                  <m:nor/>
-                                </m:rPr>
-                                <a:rPr lang="en-US" b="0" i="0" smtClean="0">
-                                  <a:latin typeface="Cambria Math" panose="02040503050406030204" pitchFamily="18" charset="0"/>
-                                </a:rPr>
-                                <m:t>Cu</m:t>
-                              </m:r>
-                            </m:den>
-                          </m:f>
-                          <m:r>
-                            <m:rPr>
-                              <m:nor/>
-                            </m:rPr>
-                            <a:rPr lang="en-US" i="0" smtClean="0">
-                              <a:latin typeface="Cambria Math" panose="02040503050406030204" pitchFamily="18" charset="0"/>
-                              <a:ea typeface="Cambria Math" panose="02040503050406030204" pitchFamily="18" charset="0"/>
-                            </a:rPr>
-                            <m:t>×</m:t>
-                          </m:r>
-                          <m:r>
-                            <m:rPr>
-                              <m:nor/>
-                            </m:rPr>
-                            <a:rPr lang="en-US" b="0" i="0" smtClean="0">
-                              <a:latin typeface="Cambria Math" panose="02040503050406030204" pitchFamily="18" charset="0"/>
-                              <a:ea typeface="Cambria Math" panose="02040503050406030204" pitchFamily="18" charset="0"/>
-                            </a:rPr>
-                            <m:t>2 </m:t>
-                          </m:r>
-                          <m:r>
-                            <m:rPr>
-                              <m:nor/>
-                            </m:rPr>
-                            <a:rPr lang="en-US" b="0" i="0" smtClean="0">
-                              <a:latin typeface="Cambria Math" panose="02040503050406030204" pitchFamily="18" charset="0"/>
-                              <a:ea typeface="Cambria Math" panose="02040503050406030204" pitchFamily="18" charset="0"/>
-                            </a:rPr>
-                            <m:t>mol</m:t>
-                          </m:r>
-                          <m:r>
-                            <m:rPr>
-                              <m:nor/>
-                            </m:rPr>
-                            <a:rPr lang="en-US" b="0" i="0" smtClean="0">
-                              <a:latin typeface="Cambria Math" panose="02040503050406030204" pitchFamily="18" charset="0"/>
-                              <a:ea typeface="Cambria Math" panose="02040503050406030204" pitchFamily="18" charset="0"/>
-                            </a:rPr>
-                            <m:t> </m:t>
-                          </m:r>
-                          <m:r>
-                            <m:rPr>
-                              <m:nor/>
-                            </m:rPr>
-                            <a:rPr lang="en-US" b="0" i="0" smtClean="0">
-                              <a:latin typeface="Cambria Math" panose="02040503050406030204" pitchFamily="18" charset="0"/>
-                              <a:ea typeface="Cambria Math" panose="02040503050406030204" pitchFamily="18" charset="0"/>
-                            </a:rPr>
-                            <m:t>Cu</m:t>
-                          </m:r>
-                        </m:num>
-                        <m:den>
-                          <m:f>
-                            <m:fPr>
-                              <m:ctrlPr>
-                                <a:rPr lang="en-US" i="1" smtClean="0">
-                                  <a:latin typeface="Cambria Math" panose="02040503050406030204" pitchFamily="18" charset="0"/>
-                                </a:rPr>
-                              </m:ctrlPr>
-                            </m:fPr>
-                            <m:num>
-                              <m:r>
-                                <m:rPr>
-                                  <m:nor/>
-                                </m:rPr>
-                                <a:rPr lang="en-US" i="0">
-                                  <a:latin typeface="Cambria Math" panose="02040503050406030204" pitchFamily="18" charset="0"/>
-                                </a:rPr>
-                                <m:t>32.065 </m:t>
-                              </m:r>
-                              <m:r>
-                                <m:rPr>
-                                  <m:nor/>
-                                </m:rPr>
-                                <a:rPr lang="en-US" i="0">
-                                  <a:latin typeface="Cambria Math" panose="02040503050406030204" pitchFamily="18" charset="0"/>
-                                </a:rPr>
-                                <m:t>g</m:t>
-                              </m:r>
-                              <m:r>
-                                <m:rPr>
-                                  <m:nor/>
-                                </m:rPr>
-                                <a:rPr lang="en-US" i="0">
-                                  <a:latin typeface="Cambria Math" panose="02040503050406030204" pitchFamily="18" charset="0"/>
-                                </a:rPr>
-                                <m:t> </m:t>
-                              </m:r>
-                              <m:r>
-                                <m:rPr>
-                                  <m:nor/>
-                                </m:rPr>
-                                <a:rPr lang="en-US" i="0">
-                                  <a:latin typeface="Cambria Math" panose="02040503050406030204" pitchFamily="18" charset="0"/>
-                                </a:rPr>
-                                <m:t>S</m:t>
-                              </m:r>
-                            </m:num>
-                            <m:den>
-                              <m:r>
-                                <m:rPr>
-                                  <m:nor/>
-                                </m:rPr>
-                                <a:rPr lang="en-US" b="0" i="0" smtClean="0">
-                                  <a:latin typeface="Cambria Math" panose="02040503050406030204" pitchFamily="18" charset="0"/>
-                                </a:rPr>
-                                <m:t>mol</m:t>
-                              </m:r>
-                              <m:r>
-                                <m:rPr>
-                                  <m:nor/>
-                                </m:rPr>
-                                <a:rPr lang="en-US" b="0" i="0" smtClean="0">
-                                  <a:latin typeface="Cambria Math" panose="02040503050406030204" pitchFamily="18" charset="0"/>
-                                </a:rPr>
-                                <m:t> </m:t>
-                              </m:r>
-                              <m:r>
-                                <m:rPr>
-                                  <m:nor/>
-                                </m:rPr>
-                                <a:rPr lang="en-US" b="0" i="0" smtClean="0">
-                                  <a:latin typeface="Cambria Math" panose="02040503050406030204" pitchFamily="18" charset="0"/>
-                                </a:rPr>
-                                <m:t>S</m:t>
-                              </m:r>
-                            </m:den>
-                          </m:f>
-                          <m:r>
-                            <m:rPr>
-                              <m:nor/>
-                            </m:rPr>
-                            <a:rPr lang="en-US" i="0" smtClean="0">
-                              <a:latin typeface="Cambria Math" panose="02040503050406030204" pitchFamily="18" charset="0"/>
-                              <a:ea typeface="Cambria Math" panose="02040503050406030204" pitchFamily="18" charset="0"/>
-                            </a:rPr>
-                            <m:t>×</m:t>
-                          </m:r>
-                          <m:r>
-                            <m:rPr>
-                              <m:nor/>
-                            </m:rPr>
-                            <a:rPr lang="en-US" b="0" i="0" smtClean="0">
-                              <a:latin typeface="Cambria Math" panose="02040503050406030204" pitchFamily="18" charset="0"/>
-                              <a:ea typeface="Cambria Math" panose="02040503050406030204" pitchFamily="18" charset="0"/>
-                            </a:rPr>
-                            <m:t>1 </m:t>
-                          </m:r>
-                          <m:r>
-                            <m:rPr>
-                              <m:nor/>
-                            </m:rPr>
-                            <a:rPr lang="en-US" b="0" i="0" smtClean="0">
-                              <a:latin typeface="Cambria Math" panose="02040503050406030204" pitchFamily="18" charset="0"/>
-                              <a:ea typeface="Cambria Math" panose="02040503050406030204" pitchFamily="18" charset="0"/>
-                            </a:rPr>
-                            <m:t>mol</m:t>
-                          </m:r>
-                          <m:r>
-                            <m:rPr>
-                              <m:nor/>
-                            </m:rPr>
-                            <a:rPr lang="en-US" b="0" i="0" smtClean="0">
-                              <a:latin typeface="Cambria Math" panose="02040503050406030204" pitchFamily="18" charset="0"/>
-                              <a:ea typeface="Cambria Math" panose="02040503050406030204" pitchFamily="18" charset="0"/>
-                            </a:rPr>
-                            <m:t> </m:t>
-                          </m:r>
-                          <m:r>
-                            <m:rPr>
-                              <m:nor/>
-                            </m:rPr>
-                            <a:rPr lang="en-US" b="0" i="0" smtClean="0">
-                              <a:latin typeface="Cambria Math" panose="02040503050406030204" pitchFamily="18" charset="0"/>
-                              <a:ea typeface="Cambria Math" panose="02040503050406030204" pitchFamily="18" charset="0"/>
-                            </a:rPr>
-                            <m:t>S</m:t>
-                          </m:r>
-                        </m:den>
-                      </m:f>
-                      <m:r>
-                        <a:rPr lang="en-US" b="0" i="1" smtClean="0">
-                          <a:latin typeface="Cambria Math" panose="02040503050406030204" pitchFamily="18" charset="0"/>
-                        </a:rPr>
-                        <m:t>=</m:t>
-                      </m:r>
-                      <m:f>
-                        <m:fPr>
-                          <m:ctrlPr>
-                            <a:rPr lang="en-US" b="0" i="1" smtClean="0">
-                              <a:latin typeface="Cambria Math" panose="02040503050406030204" pitchFamily="18" charset="0"/>
-                            </a:rPr>
-                          </m:ctrlPr>
-                        </m:fPr>
-                        <m:num>
-                          <m:r>
-                            <m:rPr>
-                              <m:nor/>
-                            </m:rPr>
-                            <a:rPr lang="en-US" i="0">
-                              <a:latin typeface="Cambria Math" panose="02040503050406030204" pitchFamily="18" charset="0"/>
-                            </a:rPr>
-                            <m:t>3.9636 </m:t>
-                          </m:r>
-                          <m:r>
-                            <m:rPr>
-                              <m:nor/>
-                            </m:rPr>
-                            <a:rPr lang="en-US" i="0">
-                              <a:latin typeface="Cambria Math" panose="02040503050406030204" pitchFamily="18" charset="0"/>
-                            </a:rPr>
-                            <m:t>g</m:t>
-                          </m:r>
-                          <m:r>
-                            <m:rPr>
-                              <m:nor/>
-                            </m:rPr>
-                            <a:rPr lang="en-US" i="0">
-                              <a:latin typeface="Cambria Math" panose="02040503050406030204" pitchFamily="18" charset="0"/>
-                            </a:rPr>
-                            <m:t> </m:t>
-                          </m:r>
-                          <m:r>
-                            <m:rPr>
-                              <m:nor/>
-                            </m:rPr>
-                            <a:rPr lang="en-US" i="0">
-                              <a:latin typeface="Cambria Math" panose="02040503050406030204" pitchFamily="18" charset="0"/>
-                            </a:rPr>
-                            <m:t>Cu</m:t>
-                          </m:r>
-                        </m:num>
-                        <m:den>
-                          <m:r>
-                            <m:rPr>
-                              <m:nor/>
-                            </m:rPr>
-                            <a:rPr lang="en-US" b="0" i="0" smtClean="0">
-                              <a:latin typeface="Cambria Math" panose="02040503050406030204" pitchFamily="18" charset="0"/>
-                            </a:rPr>
-                            <m:t>1 </m:t>
-                          </m:r>
-                          <m:r>
-                            <m:rPr>
-                              <m:nor/>
-                            </m:rPr>
-                            <a:rPr lang="en-US" b="0" i="0" smtClean="0">
-                              <a:latin typeface="Cambria Math" panose="02040503050406030204" pitchFamily="18" charset="0"/>
-                            </a:rPr>
-                            <m:t>g</m:t>
-                          </m:r>
-                          <m:r>
-                            <m:rPr>
-                              <m:nor/>
-                            </m:rPr>
-                            <a:rPr lang="en-US" b="0" i="0" smtClean="0">
-                              <a:latin typeface="Cambria Math" panose="02040503050406030204" pitchFamily="18" charset="0"/>
-                            </a:rPr>
-                            <m:t> </m:t>
-                          </m:r>
-                          <m:r>
-                            <m:rPr>
-                              <m:nor/>
-                            </m:rPr>
-                            <a:rPr lang="en-US" b="0" i="0" smtClean="0">
-                              <a:latin typeface="Cambria Math" panose="02040503050406030204" pitchFamily="18" charset="0"/>
-                            </a:rPr>
-                            <m:t>S</m:t>
-                          </m:r>
-                        </m:den>
-                      </m:f>
-                    </m:oMath>
-                  </m:oMathPara>
-                </a14:m>
-                <a:endParaRPr lang="en-US" dirty="0"/>
-              </a:p>
-              <a:p>
-                <a:pPr marL="0" indent="0">
-                  <a:buNone/>
-                </a:pPr>
-                <a:r>
-                  <a:rPr lang="en-US" dirty="0"/>
-                  <a:t>4.4 g Cu/g S seems close to 4.0 g Cu/g S. How close can you get?</a:t>
-                </a:r>
-              </a:p>
-            </p:txBody>
-          </p:sp>
-        </mc:Choice>
-        <mc:Fallback xmlns="">
-          <p:sp>
-            <p:nvSpPr>
-              <p:cNvPr id="6" name="Content Placeholder 5">
-                <a:extLst>
-                  <a:ext uri="{FF2B5EF4-FFF2-40B4-BE49-F238E27FC236}">
-                    <a16:creationId xmlns:a16="http://schemas.microsoft.com/office/drawing/2014/main" id="{A7219B4E-9803-A35C-5535-085CE995377D}"/>
-                  </a:ext>
-                </a:extLst>
-              </p:cNvPr>
-              <p:cNvSpPr>
-                <a:spLocks noGrp="1" noRot="1" noChangeAspect="1" noMove="1" noResize="1" noEditPoints="1" noAdjustHandles="1" noChangeArrowheads="1" noChangeShapeType="1" noTextEdit="1"/>
-              </p:cNvSpPr>
-              <p:nvPr>
-                <p:ph idx="1"/>
-              </p:nvPr>
-            </p:nvSpPr>
-            <p:spPr>
-              <a:xfrm>
-                <a:off x="372533" y="952466"/>
-                <a:ext cx="8387645" cy="5595089"/>
-              </a:xfrm>
-              <a:blipFill>
-                <a:blip r:embed="rId2"/>
-                <a:stretch>
-                  <a:fillRect l="-1090" t="-871" r="-1817"/>
-                </a:stretch>
-              </a:blipFill>
-            </p:spPr>
-            <p:txBody>
-              <a:bodyPr/>
-              <a:lstStyle/>
-              <a:p>
-                <a:r>
-                  <a:rPr lang="en-US">
-                    <a:noFill/>
-                  </a:rPr>
-                  <a:t> </a:t>
-                </a:r>
-              </a:p>
-            </p:txBody>
-          </p:sp>
-        </mc:Fallback>
-      </mc:AlternateContent>
+      <p:pic>
+        <p:nvPicPr>
+          <p:cNvPr id="9" name="Picture 8">
+            <a:extLst>
+              <a:ext uri="{FF2B5EF4-FFF2-40B4-BE49-F238E27FC236}">
+                <a16:creationId xmlns:a16="http://schemas.microsoft.com/office/drawing/2014/main" id="{E745AA7E-0492-7DC9-F5BF-21AFFA9F795B}"/>
+              </a:ext>
+            </a:extLst>
+          </p:cNvPr>
+          <p:cNvPicPr>
+            <a:picLocks noChangeAspect="1"/>
+          </p:cNvPicPr>
+          <p:nvPr/>
+        </p:nvPicPr>
+        <p:blipFill>
+          <a:blip r:embed="rId2"/>
+          <a:stretch>
+            <a:fillRect/>
+          </a:stretch>
+        </p:blipFill>
+        <p:spPr>
+          <a:xfrm>
+            <a:off x="1891962" y="1194785"/>
+            <a:ext cx="5536954" cy="5455227"/>
+          </a:xfrm>
+          <a:prstGeom prst="rect">
+            <a:avLst/>
+          </a:prstGeom>
+        </p:spPr>
+      </p:pic>
     </p:spTree>
     <p:extLst>
       <p:ext uri="{BB962C8B-B14F-4D97-AF65-F5344CB8AC3E}">
@@ -11395,6 +10795,309 @@
 </file>
 
 <file path=ppt/slides/slide13.xml><?xml version="1.0" encoding="utf-8"?>
+<p:sld xmlns:a="http://schemas.openxmlformats.org/drawingml/2006/main" xmlns:r="http://schemas.openxmlformats.org/officeDocument/2006/relationships" xmlns:p="http://schemas.openxmlformats.org/presentationml/2006/main">
+  <p:cSld>
+    <p:spTree>
+      <p:nvGrpSpPr>
+        <p:cNvPr id="1" name="">
+          <a:extLst>
+            <a:ext uri="{FF2B5EF4-FFF2-40B4-BE49-F238E27FC236}">
+              <a16:creationId xmlns:a16="http://schemas.microsoft.com/office/drawing/2014/main" id="{F88C9565-3D72-6D85-F29E-C9FC6B16B8B9}"/>
+            </a:ext>
+          </a:extLst>
+        </p:cNvPr>
+        <p:cNvGrpSpPr/>
+        <p:nvPr/>
+      </p:nvGrpSpPr>
+      <p:grpSpPr>
+        <a:xfrm>
+          <a:off x="0" y="0"/>
+          <a:ext cx="0" cy="0"/>
+          <a:chOff x="0" y="0"/>
+          <a:chExt cx="0" cy="0"/>
+        </a:xfrm>
+      </p:grpSpPr>
+      <p:sp>
+        <p:nvSpPr>
+          <p:cNvPr id="2" name="Title 1">
+            <a:extLst>
+              <a:ext uri="{FF2B5EF4-FFF2-40B4-BE49-F238E27FC236}">
+                <a16:creationId xmlns:a16="http://schemas.microsoft.com/office/drawing/2014/main" id="{3F779477-3F55-FA2D-6026-064383387CA6}"/>
+              </a:ext>
+            </a:extLst>
+          </p:cNvPr>
+          <p:cNvSpPr>
+            <a:spLocks noGrp="1"/>
+          </p:cNvSpPr>
+          <p:nvPr>
+            <p:ph type="title"/>
+          </p:nvPr>
+        </p:nvSpPr>
+        <p:spPr>
+          <a:xfrm>
+            <a:off x="361244" y="236264"/>
+            <a:ext cx="8421512" cy="830997"/>
+          </a:xfrm>
+        </p:spPr>
+        <p:txBody>
+          <a:bodyPr wrap="square" anchor="ctr">
+            <a:normAutofit/>
+          </a:bodyPr>
+          <a:lstStyle/>
+          <a:p>
+            <a:r>
+              <a:rPr lang="en-US" dirty="0"/>
+              <a:t>Example Data Analysis</a:t>
+            </a:r>
+          </a:p>
+        </p:txBody>
+      </p:sp>
+      <p:pic>
+        <p:nvPicPr>
+          <p:cNvPr id="6" name="Picture 5">
+            <a:extLst>
+              <a:ext uri="{FF2B5EF4-FFF2-40B4-BE49-F238E27FC236}">
+                <a16:creationId xmlns:a16="http://schemas.microsoft.com/office/drawing/2014/main" id="{DE1666AF-18E7-AA60-9CD8-777B53EA66FB}"/>
+              </a:ext>
+            </a:extLst>
+          </p:cNvPr>
+          <p:cNvPicPr>
+            <a:picLocks noChangeAspect="1"/>
+          </p:cNvPicPr>
+          <p:nvPr/>
+        </p:nvPicPr>
+        <p:blipFill>
+          <a:blip r:embed="rId2"/>
+          <a:stretch>
+            <a:fillRect/>
+          </a:stretch>
+        </p:blipFill>
+        <p:spPr>
+          <a:xfrm>
+            <a:off x="1693940" y="1067261"/>
+            <a:ext cx="5896798" cy="5630061"/>
+          </a:xfrm>
+          <a:prstGeom prst="rect">
+            <a:avLst/>
+          </a:prstGeom>
+        </p:spPr>
+      </p:pic>
+    </p:spTree>
+    <p:extLst>
+      <p:ext uri="{BB962C8B-B14F-4D97-AF65-F5344CB8AC3E}">
+        <p14:creationId xmlns:p14="http://schemas.microsoft.com/office/powerpoint/2010/main" val="681949693"/>
+      </p:ext>
+    </p:extLst>
+  </p:cSld>
+  <p:clrMapOvr>
+    <a:masterClrMapping/>
+  </p:clrMapOvr>
+</p:sld>
+</file>
+
+<file path=ppt/slides/slide14.xml><?xml version="1.0" encoding="utf-8"?>
+<p:sld xmlns:a="http://schemas.openxmlformats.org/drawingml/2006/main" xmlns:r="http://schemas.openxmlformats.org/officeDocument/2006/relationships" xmlns:p="http://schemas.openxmlformats.org/presentationml/2006/main">
+  <p:cSld>
+    <p:spTree>
+      <p:nvGrpSpPr>
+        <p:cNvPr id="1" name="">
+          <a:extLst>
+            <a:ext uri="{FF2B5EF4-FFF2-40B4-BE49-F238E27FC236}">
+              <a16:creationId xmlns:a16="http://schemas.microsoft.com/office/drawing/2014/main" id="{28CAFBF7-C9B4-9036-2E8D-151DF12D7CA0}"/>
+            </a:ext>
+          </a:extLst>
+        </p:cNvPr>
+        <p:cNvGrpSpPr/>
+        <p:nvPr/>
+      </p:nvGrpSpPr>
+      <p:grpSpPr>
+        <a:xfrm>
+          <a:off x="0" y="0"/>
+          <a:ext cx="0" cy="0"/>
+          <a:chOff x="0" y="0"/>
+          <a:chExt cx="0" cy="0"/>
+        </a:xfrm>
+      </p:grpSpPr>
+      <p:sp>
+        <p:nvSpPr>
+          <p:cNvPr id="2" name="Title 1">
+            <a:extLst>
+              <a:ext uri="{FF2B5EF4-FFF2-40B4-BE49-F238E27FC236}">
+                <a16:creationId xmlns:a16="http://schemas.microsoft.com/office/drawing/2014/main" id="{41217D8E-1952-3C65-D83F-99B5DDCF8301}"/>
+              </a:ext>
+            </a:extLst>
+          </p:cNvPr>
+          <p:cNvSpPr>
+            <a:spLocks noGrp="1"/>
+          </p:cNvSpPr>
+          <p:nvPr>
+            <p:ph type="title"/>
+          </p:nvPr>
+        </p:nvSpPr>
+        <p:spPr>
+          <a:xfrm>
+            <a:off x="361243" y="312003"/>
+            <a:ext cx="8421512" cy="830997"/>
+          </a:xfrm>
+        </p:spPr>
+        <p:txBody>
+          <a:bodyPr wrap="square" anchor="ctr">
+            <a:normAutofit/>
+          </a:bodyPr>
+          <a:lstStyle/>
+          <a:p>
+            <a:r>
+              <a:rPr lang="en-US" dirty="0"/>
+              <a:t>Example Data Analysis</a:t>
+            </a:r>
+          </a:p>
+        </p:txBody>
+      </p:sp>
+      <p:pic>
+        <p:nvPicPr>
+          <p:cNvPr id="5" name="Picture 4">
+            <a:extLst>
+              <a:ext uri="{FF2B5EF4-FFF2-40B4-BE49-F238E27FC236}">
+                <a16:creationId xmlns:a16="http://schemas.microsoft.com/office/drawing/2014/main" id="{F68DADE9-0E17-E1A6-1167-0C774976BD05}"/>
+              </a:ext>
+            </a:extLst>
+          </p:cNvPr>
+          <p:cNvPicPr>
+            <a:picLocks noChangeAspect="1"/>
+          </p:cNvPicPr>
+          <p:nvPr/>
+        </p:nvPicPr>
+        <p:blipFill>
+          <a:blip r:embed="rId2"/>
+          <a:stretch>
+            <a:fillRect/>
+          </a:stretch>
+        </p:blipFill>
+        <p:spPr>
+          <a:xfrm>
+            <a:off x="2296391" y="1086297"/>
+            <a:ext cx="4983599" cy="5459699"/>
+          </a:xfrm>
+          <a:prstGeom prst="rect">
+            <a:avLst/>
+          </a:prstGeom>
+        </p:spPr>
+      </p:pic>
+    </p:spTree>
+    <p:extLst>
+      <p:ext uri="{BB962C8B-B14F-4D97-AF65-F5344CB8AC3E}">
+        <p14:creationId xmlns:p14="http://schemas.microsoft.com/office/powerpoint/2010/main" val="1592040981"/>
+      </p:ext>
+    </p:extLst>
+  </p:cSld>
+  <p:clrMapOvr>
+    <a:masterClrMapping/>
+  </p:clrMapOvr>
+</p:sld>
+</file>
+
+<file path=ppt/slides/slide15.xml><?xml version="1.0" encoding="utf-8"?>
+<p:sld xmlns:a="http://schemas.openxmlformats.org/drawingml/2006/main" xmlns:r="http://schemas.openxmlformats.org/officeDocument/2006/relationships" xmlns:p="http://schemas.openxmlformats.org/presentationml/2006/main">
+  <p:cSld>
+    <p:spTree>
+      <p:nvGrpSpPr>
+        <p:cNvPr id="1" name="">
+          <a:extLst>
+            <a:ext uri="{FF2B5EF4-FFF2-40B4-BE49-F238E27FC236}">
+              <a16:creationId xmlns:a16="http://schemas.microsoft.com/office/drawing/2014/main" id="{1997B7E1-84BC-6E2A-5A7F-CEE096941EA8}"/>
+            </a:ext>
+          </a:extLst>
+        </p:cNvPr>
+        <p:cNvGrpSpPr/>
+        <p:nvPr/>
+      </p:nvGrpSpPr>
+      <p:grpSpPr>
+        <a:xfrm>
+          <a:off x="0" y="0"/>
+          <a:ext cx="0" cy="0"/>
+          <a:chOff x="0" y="0"/>
+          <a:chExt cx="0" cy="0"/>
+        </a:xfrm>
+      </p:grpSpPr>
+      <p:sp>
+        <p:nvSpPr>
+          <p:cNvPr id="2" name="Title 1">
+            <a:extLst>
+              <a:ext uri="{FF2B5EF4-FFF2-40B4-BE49-F238E27FC236}">
+                <a16:creationId xmlns:a16="http://schemas.microsoft.com/office/drawing/2014/main" id="{02BBB43F-A209-01BB-DC97-912150C73C5D}"/>
+              </a:ext>
+            </a:extLst>
+          </p:cNvPr>
+          <p:cNvSpPr>
+            <a:spLocks noGrp="1"/>
+          </p:cNvSpPr>
+          <p:nvPr>
+            <p:ph type="title"/>
+          </p:nvPr>
+        </p:nvSpPr>
+        <p:spPr>
+          <a:xfrm>
+            <a:off x="361243" y="312003"/>
+            <a:ext cx="8421512" cy="830997"/>
+          </a:xfrm>
+        </p:spPr>
+        <p:txBody>
+          <a:bodyPr wrap="square" anchor="ctr">
+            <a:normAutofit/>
+          </a:bodyPr>
+          <a:lstStyle/>
+          <a:p>
+            <a:r>
+              <a:rPr lang="en-US" dirty="0"/>
+              <a:t>Example Data Analysis</a:t>
+            </a:r>
+          </a:p>
+        </p:txBody>
+      </p:sp>
+      <p:pic>
+        <p:nvPicPr>
+          <p:cNvPr id="4" name="Picture 3">
+            <a:extLst>
+              <a:ext uri="{FF2B5EF4-FFF2-40B4-BE49-F238E27FC236}">
+                <a16:creationId xmlns:a16="http://schemas.microsoft.com/office/drawing/2014/main" id="{2E721DEA-BCCF-DF4A-0B95-6A1100848C2D}"/>
+              </a:ext>
+            </a:extLst>
+          </p:cNvPr>
+          <p:cNvPicPr>
+            <a:picLocks noChangeAspect="1"/>
+          </p:cNvPicPr>
+          <p:nvPr/>
+        </p:nvPicPr>
+        <p:blipFill>
+          <a:blip r:embed="rId2"/>
+          <a:stretch>
+            <a:fillRect/>
+          </a:stretch>
+        </p:blipFill>
+        <p:spPr>
+          <a:xfrm>
+            <a:off x="1943100" y="842448"/>
+            <a:ext cx="6114042" cy="6015551"/>
+          </a:xfrm>
+          <a:prstGeom prst="rect">
+            <a:avLst/>
+          </a:prstGeom>
+        </p:spPr>
+      </p:pic>
+    </p:spTree>
+    <p:extLst>
+      <p:ext uri="{BB962C8B-B14F-4D97-AF65-F5344CB8AC3E}">
+        <p14:creationId xmlns:p14="http://schemas.microsoft.com/office/powerpoint/2010/main" val="553868572"/>
+      </p:ext>
+    </p:extLst>
+  </p:cSld>
+  <p:clrMapOvr>
+    <a:masterClrMapping/>
+  </p:clrMapOvr>
+</p:sld>
+</file>
+
+<file path=ppt/slides/slide16.xml><?xml version="1.0" encoding="utf-8"?>
 <p:sld xmlns:a="http://schemas.openxmlformats.org/drawingml/2006/main" xmlns:r="http://schemas.openxmlformats.org/officeDocument/2006/relationships" xmlns:p="http://schemas.openxmlformats.org/presentationml/2006/main">
   <p:cSld>
     <p:spTree>
@@ -11574,81 +11277,22 @@
           <a:bodyPr/>
           <a:lstStyle/>
           <a:p>
-            <a:pPr marL="0" indent="0">
-              <a:buNone/>
-            </a:pPr>
             <a:r>
               <a:rPr lang="en-US" dirty="0"/>
-              <a:t>Observe</a:t>
+              <a:t>Titrations are used to determine quantitatively amounts (as concentrations) of a substance in solution</a:t>
             </a:r>
           </a:p>
           <a:p>
             <a:r>
               <a:rPr lang="en-US" dirty="0"/>
-              <a:t>physical properties of PURE elements: copper wire and solid sulfur</a:t>
-            </a:r>
-          </a:p>
-          <a:p>
-            <a:pPr marL="236538" lvl="1" indent="0">
-              <a:buNone/>
-            </a:pPr>
-            <a:r>
-              <a:rPr lang="en-US" sz="2400" i="1" dirty="0">
-                <a:solidFill>
-                  <a:srgbClr val="CC99FF"/>
-                </a:solidFill>
-                <a:latin typeface="Times New Roman" panose="02020603050405020304" pitchFamily="18" charset="0"/>
-                <a:cs typeface="Times New Roman" panose="02020603050405020304" pitchFamily="18" charset="0"/>
-              </a:rPr>
-              <a:t>What are the symbols? What is the proposed chemical reaction?</a:t>
-            </a:r>
-          </a:p>
-          <a:p>
-            <a:pPr marL="342900" indent="-342900"/>
-            <a:r>
-              <a:rPr lang="en-US" dirty="0"/>
-              <a:t>physical properties of compound formed from a chemical reaction of these elements</a:t>
-            </a:r>
-            <a:endParaRPr lang="en-US" sz="2000" i="1" dirty="0">
-              <a:solidFill>
-                <a:srgbClr val="CC99FF"/>
-              </a:solidFill>
-              <a:latin typeface="Times New Roman" panose="02020603050405020304" pitchFamily="18" charset="0"/>
-              <a:cs typeface="Times New Roman" panose="02020603050405020304" pitchFamily="18" charset="0"/>
-            </a:endParaRPr>
+              <a:t>This experiment will use sodium hydroxide (NaOH) as a titrant to determine amount/concentration of citric acid in a lemon-lime soft drink</a:t>
+            </a:r>
+          </a:p>
+          <a:p>
+            <a:endParaRPr lang="en-US" dirty="0"/>
           </a:p>
         </p:txBody>
       </p:sp>
-      <p:pic>
-        <p:nvPicPr>
-          <p:cNvPr id="7" name="Picture 6">
-            <a:extLst>
-              <a:ext uri="{FF2B5EF4-FFF2-40B4-BE49-F238E27FC236}">
-                <a16:creationId xmlns:a16="http://schemas.microsoft.com/office/drawing/2014/main" id="{F8DB96C6-A975-B61F-73F4-8AC25ECD277E}"/>
-              </a:ext>
-            </a:extLst>
-          </p:cNvPr>
-          <p:cNvPicPr>
-            <a:picLocks noChangeAspect="1"/>
-          </p:cNvPicPr>
-          <p:nvPr/>
-        </p:nvPicPr>
-        <p:blipFill>
-          <a:blip r:embed="rId2"/>
-          <a:stretch>
-            <a:fillRect/>
-          </a:stretch>
-        </p:blipFill>
-        <p:spPr>
-          <a:xfrm>
-            <a:off x="169331" y="3605417"/>
-            <a:ext cx="8794045" cy="3119903"/>
-          </a:xfrm>
-          <a:prstGeom prst="rect">
-            <a:avLst/>
-          </a:prstGeom>
-        </p:spPr>
-      </p:pic>
     </p:spTree>
     <p:extLst>
       <p:ext uri="{BB962C8B-B14F-4D97-AF65-F5344CB8AC3E}">
@@ -11708,7 +11352,7 @@
           <a:p>
             <a:r>
               <a:rPr lang="en-US" dirty="0"/>
-              <a:t>Background</a:t>
+              <a:t>Procedure</a:t>
             </a:r>
           </a:p>
         </p:txBody>
@@ -11734,27 +11378,23 @@
           <a:bodyPr/>
           <a:lstStyle/>
           <a:p>
-            <a:pPr marL="0" indent="0">
-              <a:buNone/>
-            </a:pPr>
-            <a:r>
-              <a:rPr lang="en-US" sz="2000" dirty="0"/>
-              <a:t>Joseph Proust (1797) stated any sample of a particular compound would be made of same elements in same proportion by mass. This is the Law of Constant Composition.</a:t>
-            </a:r>
-          </a:p>
-          <a:p>
-            <a:pPr marL="0" indent="0">
-              <a:buNone/>
-            </a:pPr>
-            <a:endParaRPr lang="en-US" sz="2000" dirty="0"/>
-          </a:p>
-          <a:p>
-            <a:pPr marL="0" indent="0">
-              <a:buNone/>
-            </a:pPr>
-            <a:r>
-              <a:rPr lang="en-US" sz="2000" dirty="0"/>
-              <a:t>This principle is connected with the Law of the Conservation of Mass and also Dalton’s Atomic Theory concerning how the atoms of elements are never destroyed or created, but just rearranged in chemical reactions forming new compounds.</a:t>
+            <a:r>
+              <a:rPr lang="en-US" dirty="0"/>
+              <a:t>The titrant is placed in a </a:t>
+            </a:r>
+            <a:r>
+              <a:rPr lang="en-US" dirty="0" err="1"/>
+              <a:t>buret</a:t>
+            </a:r>
+            <a:r>
+              <a:rPr lang="en-US" dirty="0"/>
+              <a:t> and the analyte to be titrated will be placed in an Erlenmeyer flask</a:t>
+            </a:r>
+          </a:p>
+          <a:p>
+            <a:r>
+              <a:rPr lang="en-US" dirty="0"/>
+              <a:t>Small volumes (aliquots) </a:t>
             </a:r>
           </a:p>
         </p:txBody>
@@ -11773,991 +11413,6 @@
 </file>
 
 <file path=ppt/slides/slide4.xml><?xml version="1.0" encoding="utf-8"?>
-<p:sld xmlns:a="http://schemas.openxmlformats.org/drawingml/2006/main" xmlns:r="http://schemas.openxmlformats.org/officeDocument/2006/relationships" xmlns:p="http://schemas.openxmlformats.org/presentationml/2006/main">
-  <p:cSld>
-    <p:spTree>
-      <p:nvGrpSpPr>
-        <p:cNvPr id="1" name="">
-          <a:extLst>
-            <a:ext uri="{FF2B5EF4-FFF2-40B4-BE49-F238E27FC236}">
-              <a16:creationId xmlns:a16="http://schemas.microsoft.com/office/drawing/2014/main" id="{3DAB1E55-1723-E0EE-7EFD-D02607EA16A9}"/>
-            </a:ext>
-          </a:extLst>
-        </p:cNvPr>
-        <p:cNvGrpSpPr/>
-        <p:nvPr/>
-      </p:nvGrpSpPr>
-      <p:grpSpPr>
-        <a:xfrm>
-          <a:off x="0" y="0"/>
-          <a:ext cx="0" cy="0"/>
-          <a:chOff x="0" y="0"/>
-          <a:chExt cx="0" cy="0"/>
-        </a:xfrm>
-      </p:grpSpPr>
-      <p:sp>
-        <p:nvSpPr>
-          <p:cNvPr id="2" name="Title 1">
-            <a:extLst>
-              <a:ext uri="{FF2B5EF4-FFF2-40B4-BE49-F238E27FC236}">
-                <a16:creationId xmlns:a16="http://schemas.microsoft.com/office/drawing/2014/main" id="{D903C2D8-8186-46AC-8E06-7D4D7AEDE47B}"/>
-              </a:ext>
-            </a:extLst>
-          </p:cNvPr>
-          <p:cNvSpPr>
-            <a:spLocks noGrp="1"/>
-          </p:cNvSpPr>
-          <p:nvPr>
-            <p:ph type="title"/>
-          </p:nvPr>
-        </p:nvSpPr>
-        <p:spPr/>
-        <p:txBody>
-          <a:bodyPr/>
-          <a:lstStyle/>
-          <a:p>
-            <a:r>
-              <a:rPr lang="en-US" dirty="0"/>
-              <a:t>Limiting &amp; Excess Reagents</a:t>
-            </a:r>
-          </a:p>
-        </p:txBody>
-      </p:sp>
-      <p:sp>
-        <p:nvSpPr>
-          <p:cNvPr id="3" name="Content Placeholder 2">
-            <a:extLst>
-              <a:ext uri="{FF2B5EF4-FFF2-40B4-BE49-F238E27FC236}">
-                <a16:creationId xmlns:a16="http://schemas.microsoft.com/office/drawing/2014/main" id="{CFC3C184-A6E1-15DB-1130-302523D67542}"/>
-              </a:ext>
-            </a:extLst>
-          </p:cNvPr>
-          <p:cNvSpPr>
-            <a:spLocks noGrp="1"/>
-          </p:cNvSpPr>
-          <p:nvPr>
-            <p:ph idx="1"/>
-          </p:nvPr>
-        </p:nvSpPr>
-        <p:spPr/>
-        <p:txBody>
-          <a:bodyPr/>
-          <a:lstStyle/>
-          <a:p>
-            <a:r>
-              <a:rPr lang="en-US" dirty="0"/>
-              <a:t>You will learn a very useful concept in chemistry, which is that of the </a:t>
-            </a:r>
-            <a:r>
-              <a:rPr lang="en-US" dirty="0">
-                <a:solidFill>
-                  <a:srgbClr val="00FF00"/>
-                </a:solidFill>
-              </a:rPr>
-              <a:t>limiting</a:t>
-            </a:r>
-            <a:r>
-              <a:rPr lang="en-US" dirty="0"/>
-              <a:t> and </a:t>
-            </a:r>
-            <a:r>
-              <a:rPr lang="en-US" dirty="0">
-                <a:solidFill>
-                  <a:srgbClr val="00FF00"/>
-                </a:solidFill>
-              </a:rPr>
-              <a:t>excess</a:t>
-            </a:r>
-            <a:r>
-              <a:rPr lang="en-US" dirty="0"/>
-              <a:t> </a:t>
-            </a:r>
-            <a:r>
-              <a:rPr lang="en-US" dirty="0">
-                <a:solidFill>
-                  <a:srgbClr val="00FF00"/>
-                </a:solidFill>
-              </a:rPr>
-              <a:t>reagents</a:t>
-            </a:r>
-            <a:r>
-              <a:rPr lang="en-US" dirty="0"/>
-              <a:t>.</a:t>
-            </a:r>
-          </a:p>
-          <a:p>
-            <a:r>
-              <a:rPr lang="en-US" dirty="0"/>
-              <a:t>In this experiment, the copper solid mass will be the limiting reagent, and sulfur will be the excess reagent.</a:t>
-            </a:r>
-          </a:p>
-          <a:p>
-            <a:r>
-              <a:rPr lang="en-US" dirty="0"/>
-              <a:t>This means we want ALL the copper mass to completely react with an excess amount of sulfur</a:t>
-            </a:r>
-          </a:p>
-          <a:p>
-            <a:pPr marL="0" indent="0">
-              <a:buNone/>
-            </a:pPr>
-            <a:r>
-              <a:rPr lang="en-US" i="1" dirty="0">
-                <a:solidFill>
-                  <a:srgbClr val="FFC000"/>
-                </a:solidFill>
-              </a:rPr>
-              <a:t>So how do we know if all the copper will react?</a:t>
-            </a:r>
-          </a:p>
-          <a:p>
-            <a:endParaRPr lang="en-US" dirty="0"/>
-          </a:p>
-        </p:txBody>
-      </p:sp>
-    </p:spTree>
-    <p:extLst>
-      <p:ext uri="{BB962C8B-B14F-4D97-AF65-F5344CB8AC3E}">
-        <p14:creationId xmlns:p14="http://schemas.microsoft.com/office/powerpoint/2010/main" val="3100576228"/>
-      </p:ext>
-    </p:extLst>
-  </p:cSld>
-  <p:clrMapOvr>
-    <a:masterClrMapping/>
-  </p:clrMapOvr>
-</p:sld>
-</file>
-
-<file path=ppt/slides/slide5.xml><?xml version="1.0" encoding="utf-8"?>
-<p:sld xmlns:a="http://schemas.openxmlformats.org/drawingml/2006/main" xmlns:r="http://schemas.openxmlformats.org/officeDocument/2006/relationships" xmlns:p="http://schemas.openxmlformats.org/presentationml/2006/main">
-  <p:cSld>
-    <p:spTree>
-      <p:nvGrpSpPr>
-        <p:cNvPr id="1" name="">
-          <a:extLst>
-            <a:ext uri="{FF2B5EF4-FFF2-40B4-BE49-F238E27FC236}">
-              <a16:creationId xmlns:a16="http://schemas.microsoft.com/office/drawing/2014/main" id="{89602FE4-97AA-B2E9-42B8-03DB9375250E}"/>
-            </a:ext>
-          </a:extLst>
-        </p:cNvPr>
-        <p:cNvGrpSpPr/>
-        <p:nvPr/>
-      </p:nvGrpSpPr>
-      <p:grpSpPr>
-        <a:xfrm>
-          <a:off x="0" y="0"/>
-          <a:ext cx="0" cy="0"/>
-          <a:chOff x="0" y="0"/>
-          <a:chExt cx="0" cy="0"/>
-        </a:xfrm>
-      </p:grpSpPr>
-      <p:sp>
-        <p:nvSpPr>
-          <p:cNvPr id="2" name="Title 1">
-            <a:extLst>
-              <a:ext uri="{FF2B5EF4-FFF2-40B4-BE49-F238E27FC236}">
-                <a16:creationId xmlns:a16="http://schemas.microsoft.com/office/drawing/2014/main" id="{35B0DC03-7F7A-43A0-5F01-C7DF8C705AF5}"/>
-              </a:ext>
-            </a:extLst>
-          </p:cNvPr>
-          <p:cNvSpPr>
-            <a:spLocks noGrp="1"/>
-          </p:cNvSpPr>
-          <p:nvPr>
-            <p:ph type="title"/>
-          </p:nvPr>
-        </p:nvSpPr>
-        <p:spPr/>
-        <p:txBody>
-          <a:bodyPr/>
-          <a:lstStyle/>
-          <a:p>
-            <a:r>
-              <a:rPr lang="en-US" dirty="0"/>
-              <a:t>Experiment Planning</a:t>
-            </a:r>
-          </a:p>
-        </p:txBody>
-      </p:sp>
-      <p:sp>
-        <p:nvSpPr>
-          <p:cNvPr id="3" name="Content Placeholder 2">
-            <a:extLst>
-              <a:ext uri="{FF2B5EF4-FFF2-40B4-BE49-F238E27FC236}">
-                <a16:creationId xmlns:a16="http://schemas.microsoft.com/office/drawing/2014/main" id="{9B5A638F-692D-18DA-EAD0-6DAF5A23002A}"/>
-              </a:ext>
-            </a:extLst>
-          </p:cNvPr>
-          <p:cNvSpPr>
-            <a:spLocks noGrp="1"/>
-          </p:cNvSpPr>
-          <p:nvPr>
-            <p:ph idx="1"/>
-          </p:nvPr>
-        </p:nvSpPr>
-        <p:spPr/>
-        <p:txBody>
-          <a:bodyPr/>
-          <a:lstStyle/>
-          <a:p>
-            <a:r>
-              <a:rPr lang="en-US" dirty="0"/>
-              <a:t>Our lab manual says we should have from 2-4 g sulfur used in the reaction. Let’s assume we are at 2 g sulfur: what is the maximum amount of copper mass we should have for it to completely react with the sulfur we use?</a:t>
-            </a:r>
-          </a:p>
-          <a:p>
-            <a:r>
-              <a:rPr lang="en-US" dirty="0"/>
-              <a:t>First we to see the chemical reaction that is happening</a:t>
-            </a:r>
-          </a:p>
-          <a:p>
-            <a:pPr marL="0" indent="0" algn="ctr">
-              <a:buNone/>
-            </a:pPr>
-            <a:r>
-              <a:rPr lang="en-US" dirty="0">
-                <a:solidFill>
-                  <a:schemeClr val="accent1">
-                    <a:lumMod val="60000"/>
-                    <a:lumOff val="40000"/>
-                  </a:schemeClr>
-                </a:solidFill>
-              </a:rPr>
-              <a:t>2 Cu (s) + S (s) </a:t>
-            </a:r>
-            <a:r>
-              <a:rPr lang="en-US" dirty="0">
-                <a:solidFill>
-                  <a:schemeClr val="accent1">
-                    <a:lumMod val="60000"/>
-                    <a:lumOff val="40000"/>
-                  </a:schemeClr>
-                </a:solidFill>
-                <a:sym typeface="Wingdings" panose="05000000000000000000" pitchFamily="2" charset="2"/>
-              </a:rPr>
-              <a:t> Cu</a:t>
-            </a:r>
-            <a:r>
-              <a:rPr lang="en-US" baseline="-25000" dirty="0">
-                <a:solidFill>
-                  <a:schemeClr val="accent1">
-                    <a:lumMod val="60000"/>
-                    <a:lumOff val="40000"/>
-                  </a:schemeClr>
-                </a:solidFill>
-                <a:sym typeface="Wingdings" panose="05000000000000000000" pitchFamily="2" charset="2"/>
-              </a:rPr>
-              <a:t>2</a:t>
-            </a:r>
-            <a:r>
-              <a:rPr lang="en-US" dirty="0">
-                <a:solidFill>
-                  <a:schemeClr val="accent1">
-                    <a:lumMod val="60000"/>
-                    <a:lumOff val="40000"/>
-                  </a:schemeClr>
-                </a:solidFill>
-                <a:sym typeface="Wingdings" panose="05000000000000000000" pitchFamily="2" charset="2"/>
-              </a:rPr>
-              <a:t>S (s)</a:t>
-            </a:r>
-            <a:endParaRPr lang="en-US" dirty="0">
-              <a:solidFill>
-                <a:schemeClr val="accent1">
-                  <a:lumMod val="60000"/>
-                  <a:lumOff val="40000"/>
-                </a:schemeClr>
-              </a:solidFill>
-            </a:endParaRPr>
-          </a:p>
-          <a:p>
-            <a:r>
-              <a:rPr lang="en-US" dirty="0"/>
-              <a:t>You should know how to write &amp; BALANCE this reaction because you should know that copper sulfide is copper (I) sulfide. Note how mass is balanced</a:t>
-            </a:r>
-          </a:p>
-        </p:txBody>
-      </p:sp>
-    </p:spTree>
-    <p:extLst>
-      <p:ext uri="{BB962C8B-B14F-4D97-AF65-F5344CB8AC3E}">
-        <p14:creationId xmlns:p14="http://schemas.microsoft.com/office/powerpoint/2010/main" val="1309167304"/>
-      </p:ext>
-    </p:extLst>
-  </p:cSld>
-  <p:clrMapOvr>
-    <a:masterClrMapping/>
-  </p:clrMapOvr>
-</p:sld>
-</file>
-
-<file path=ppt/slides/slide6.xml><?xml version="1.0" encoding="utf-8"?>
-<p:sld xmlns:a="http://schemas.openxmlformats.org/drawingml/2006/main" xmlns:r="http://schemas.openxmlformats.org/officeDocument/2006/relationships" xmlns:p="http://schemas.openxmlformats.org/presentationml/2006/main">
-  <p:cSld>
-    <p:spTree>
-      <p:nvGrpSpPr>
-        <p:cNvPr id="1" name="">
-          <a:extLst>
-            <a:ext uri="{FF2B5EF4-FFF2-40B4-BE49-F238E27FC236}">
-              <a16:creationId xmlns:a16="http://schemas.microsoft.com/office/drawing/2014/main" id="{A0B314F5-A532-75E0-4452-699E381E2923}"/>
-            </a:ext>
-          </a:extLst>
-        </p:cNvPr>
-        <p:cNvGrpSpPr/>
-        <p:nvPr/>
-      </p:nvGrpSpPr>
-      <p:grpSpPr>
-        <a:xfrm>
-          <a:off x="0" y="0"/>
-          <a:ext cx="0" cy="0"/>
-          <a:chOff x="0" y="0"/>
-          <a:chExt cx="0" cy="0"/>
-        </a:xfrm>
-      </p:grpSpPr>
-      <p:sp>
-        <p:nvSpPr>
-          <p:cNvPr id="2" name="Title 1">
-            <a:extLst>
-              <a:ext uri="{FF2B5EF4-FFF2-40B4-BE49-F238E27FC236}">
-                <a16:creationId xmlns:a16="http://schemas.microsoft.com/office/drawing/2014/main" id="{7B67D3B4-D5D4-23E8-8C4C-0BC5FF420E12}"/>
-              </a:ext>
-            </a:extLst>
-          </p:cNvPr>
-          <p:cNvSpPr>
-            <a:spLocks noGrp="1"/>
-          </p:cNvSpPr>
-          <p:nvPr>
-            <p:ph type="title"/>
-          </p:nvPr>
-        </p:nvSpPr>
-        <p:spPr/>
-        <p:txBody>
-          <a:bodyPr/>
-          <a:lstStyle/>
-          <a:p>
-            <a:r>
-              <a:rPr lang="en-US" dirty="0"/>
-              <a:t>Experiment Planning</a:t>
-            </a:r>
-          </a:p>
-        </p:txBody>
-      </p:sp>
-      <mc:AlternateContent xmlns:mc="http://schemas.openxmlformats.org/markup-compatibility/2006" xmlns:a14="http://schemas.microsoft.com/office/drawing/2010/main">
-        <mc:Choice Requires="a14">
-          <p:sp>
-            <p:nvSpPr>
-              <p:cNvPr id="3" name="Content Placeholder 2">
-                <a:extLst>
-                  <a:ext uri="{FF2B5EF4-FFF2-40B4-BE49-F238E27FC236}">
-                    <a16:creationId xmlns:a16="http://schemas.microsoft.com/office/drawing/2014/main" id="{10F096D7-7F9F-3A76-824B-79A56486284F}"/>
-                  </a:ext>
-                </a:extLst>
-              </p:cNvPr>
-              <p:cNvSpPr>
-                <a:spLocks noGrp="1"/>
-              </p:cNvSpPr>
-              <p:nvPr>
-                <p:ph idx="1"/>
-              </p:nvPr>
-            </p:nvSpPr>
-            <p:spPr/>
-            <p:txBody>
-              <a:bodyPr/>
-              <a:lstStyle/>
-              <a:p>
-                <a:r>
-                  <a:rPr lang="en-US" dirty="0"/>
-                  <a:t>The next step is to know the molar mass of the reactants and the product</a:t>
-                </a:r>
-              </a:p>
-              <a:p>
-                <a:pPr lvl="1"/>
-                <a:r>
-                  <a:rPr lang="en-US" sz="2200" dirty="0">
-                    <a:solidFill>
-                      <a:srgbClr val="FFC000"/>
-                    </a:solidFill>
-                  </a:rPr>
-                  <a:t>Copper</a:t>
-                </a:r>
-                <a:r>
-                  <a:rPr lang="en-US" sz="2200" dirty="0"/>
-                  <a:t>: </a:t>
-                </a:r>
-                <a:r>
-                  <a:rPr lang="en-US" sz="2200" dirty="0">
-                    <a:solidFill>
-                      <a:schemeClr val="accent1">
-                        <a:lumMod val="60000"/>
-                        <a:lumOff val="40000"/>
-                      </a:schemeClr>
-                    </a:solidFill>
-                  </a:rPr>
-                  <a:t>63.546 g/mol</a:t>
-                </a:r>
-              </a:p>
-              <a:p>
-                <a:pPr lvl="1"/>
-                <a:r>
-                  <a:rPr lang="en-US" sz="2200" dirty="0">
-                    <a:solidFill>
-                      <a:srgbClr val="FFC000"/>
-                    </a:solidFill>
-                  </a:rPr>
-                  <a:t>Sulfur</a:t>
-                </a:r>
-                <a:r>
-                  <a:rPr lang="en-US" sz="2200" dirty="0"/>
-                  <a:t>: </a:t>
-                </a:r>
-                <a:r>
-                  <a:rPr lang="en-US" sz="2200" dirty="0">
-                    <a:solidFill>
-                      <a:schemeClr val="accent1">
-                        <a:lumMod val="60000"/>
-                        <a:lumOff val="40000"/>
-                      </a:schemeClr>
-                    </a:solidFill>
-                  </a:rPr>
-                  <a:t>32.065 g/mol</a:t>
-                </a:r>
-              </a:p>
-              <a:p>
-                <a:pPr lvl="1"/>
-                <a:r>
-                  <a:rPr lang="en-US" sz="2200" dirty="0">
-                    <a:solidFill>
-                      <a:srgbClr val="FFC000"/>
-                    </a:solidFill>
-                  </a:rPr>
-                  <a:t>Copper</a:t>
-                </a:r>
-                <a:r>
-                  <a:rPr lang="en-US" sz="2200" dirty="0"/>
-                  <a:t> </a:t>
-                </a:r>
-                <a:r>
-                  <a:rPr lang="en-US" sz="2200" dirty="0">
-                    <a:solidFill>
-                      <a:srgbClr val="FFC000"/>
-                    </a:solidFill>
-                  </a:rPr>
-                  <a:t>(I) sulfide</a:t>
-                </a:r>
-                <a:r>
-                  <a:rPr lang="en-US" sz="2200" dirty="0"/>
-                  <a:t>: 2 × </a:t>
-                </a:r>
-                <a:r>
-                  <a:rPr lang="en-US" sz="2200" dirty="0">
-                    <a:solidFill>
-                      <a:srgbClr val="FFFF00"/>
-                    </a:solidFill>
-                  </a:rPr>
-                  <a:t>Cu</a:t>
-                </a:r>
-                <a:r>
-                  <a:rPr lang="en-US" sz="2200" dirty="0"/>
-                  <a:t> + </a:t>
-                </a:r>
-                <a:r>
-                  <a:rPr lang="en-US" sz="2200" dirty="0">
-                    <a:solidFill>
-                      <a:srgbClr val="FFFF00"/>
-                    </a:solidFill>
-                  </a:rPr>
-                  <a:t>S</a:t>
-                </a:r>
-                <a:r>
-                  <a:rPr lang="en-US" sz="2200" dirty="0"/>
-                  <a:t> = </a:t>
-                </a:r>
-                <a:r>
-                  <a:rPr lang="en-US" sz="2200" dirty="0">
-                    <a:solidFill>
-                      <a:schemeClr val="accent1">
-                        <a:lumMod val="60000"/>
-                        <a:lumOff val="40000"/>
-                      </a:schemeClr>
-                    </a:solidFill>
-                  </a:rPr>
-                  <a:t>159.16 g/mol</a:t>
-                </a:r>
-              </a:p>
-              <a:p>
-                <a:r>
-                  <a:rPr lang="en-US" sz="2200" dirty="0"/>
-                  <a:t>Two atoms of Cu will be used for every one atom of S</a:t>
-                </a:r>
-              </a:p>
-              <a:p>
-                <a:r>
-                  <a:rPr lang="en-US" sz="2200" dirty="0"/>
-                  <a:t>Two MOLES (mol) of Cu will be used for every one MOLE (mol) of S</a:t>
-                </a:r>
-              </a:p>
-              <a:p>
-                <a:r>
-                  <a:rPr lang="en-US" sz="2200" dirty="0"/>
-                  <a:t>You have 2.00 g S: how many g of Cu will it change?</a:t>
-                </a:r>
-              </a:p>
-              <a:p>
-                <a14:m>
-                  <m:oMath xmlns:m="http://schemas.openxmlformats.org/officeDocument/2006/math">
-                    <m:r>
-                      <a:rPr lang="en-US" sz="2200" b="0" i="1" smtClean="0">
-                        <a:latin typeface="Cambria Math" panose="02040503050406030204" pitchFamily="18" charset="0"/>
-                      </a:rPr>
-                      <m:t>2.00 </m:t>
-                    </m:r>
-                    <m:r>
-                      <m:rPr>
-                        <m:nor/>
-                      </m:rPr>
-                      <a:rPr lang="en-US" sz="2200" b="0" i="0" smtClean="0">
-                        <a:latin typeface="Cambria Math" panose="02040503050406030204" pitchFamily="18" charset="0"/>
-                      </a:rPr>
-                      <m:t>g</m:t>
-                    </m:r>
-                    <m:r>
-                      <m:rPr>
-                        <m:nor/>
-                      </m:rPr>
-                      <a:rPr lang="en-US" sz="2200" b="0" i="0" smtClean="0">
-                        <a:latin typeface="Cambria Math" panose="02040503050406030204" pitchFamily="18" charset="0"/>
-                      </a:rPr>
-                      <m:t> </m:t>
-                    </m:r>
-                    <m:r>
-                      <m:rPr>
-                        <m:nor/>
-                      </m:rPr>
-                      <a:rPr lang="en-US" sz="2200" b="0" i="0" smtClean="0">
-                        <a:latin typeface="Cambria Math" panose="02040503050406030204" pitchFamily="18" charset="0"/>
-                      </a:rPr>
-                      <m:t>S</m:t>
-                    </m:r>
-                    <m:r>
-                      <a:rPr lang="en-US" sz="2200" b="0" i="1" smtClean="0">
-                        <a:latin typeface="Cambria Math" panose="02040503050406030204" pitchFamily="18" charset="0"/>
-                        <a:ea typeface="Cambria Math" panose="02040503050406030204" pitchFamily="18" charset="0"/>
-                      </a:rPr>
-                      <m:t>×</m:t>
-                    </m:r>
-                    <m:f>
-                      <m:fPr>
-                        <m:ctrlPr>
-                          <a:rPr lang="en-US" sz="2200" b="0" i="1" smtClean="0">
-                            <a:latin typeface="Cambria Math" panose="02040503050406030204" pitchFamily="18" charset="0"/>
-                            <a:ea typeface="Cambria Math" panose="02040503050406030204" pitchFamily="18" charset="0"/>
-                          </a:rPr>
-                        </m:ctrlPr>
-                      </m:fPr>
-                      <m:num>
-                        <m:r>
-                          <m:rPr>
-                            <m:nor/>
-                          </m:rPr>
-                          <a:rPr lang="en-US" sz="2200" b="0" i="0" smtClean="0">
-                            <a:latin typeface="Cambria Math" panose="02040503050406030204" pitchFamily="18" charset="0"/>
-                            <a:ea typeface="Cambria Math" panose="02040503050406030204" pitchFamily="18" charset="0"/>
-                          </a:rPr>
-                          <m:t>1 </m:t>
-                        </m:r>
-                        <m:r>
-                          <m:rPr>
-                            <m:nor/>
-                          </m:rPr>
-                          <a:rPr lang="en-US" sz="2200" b="0" i="0" smtClean="0">
-                            <a:latin typeface="Cambria Math" panose="02040503050406030204" pitchFamily="18" charset="0"/>
-                            <a:ea typeface="Cambria Math" panose="02040503050406030204" pitchFamily="18" charset="0"/>
-                          </a:rPr>
-                          <m:t>mol</m:t>
-                        </m:r>
-                        <m:r>
-                          <m:rPr>
-                            <m:nor/>
-                          </m:rPr>
-                          <a:rPr lang="en-US" sz="2200" b="0" i="0" smtClean="0">
-                            <a:latin typeface="Cambria Math" panose="02040503050406030204" pitchFamily="18" charset="0"/>
-                            <a:ea typeface="Cambria Math" panose="02040503050406030204" pitchFamily="18" charset="0"/>
-                          </a:rPr>
-                          <m:t> </m:t>
-                        </m:r>
-                        <m:r>
-                          <m:rPr>
-                            <m:nor/>
-                          </m:rPr>
-                          <a:rPr lang="en-US" sz="2200" b="0" i="0" smtClean="0">
-                            <a:latin typeface="Cambria Math" panose="02040503050406030204" pitchFamily="18" charset="0"/>
-                            <a:ea typeface="Cambria Math" panose="02040503050406030204" pitchFamily="18" charset="0"/>
-                          </a:rPr>
-                          <m:t>S</m:t>
-                        </m:r>
-                      </m:num>
-                      <m:den>
-                        <m:r>
-                          <m:rPr>
-                            <m:nor/>
-                          </m:rPr>
-                          <a:rPr lang="en-US" sz="2200" b="0" i="0" smtClean="0">
-                            <a:latin typeface="Cambria Math" panose="02040503050406030204" pitchFamily="18" charset="0"/>
-                            <a:ea typeface="Cambria Math" panose="02040503050406030204" pitchFamily="18" charset="0"/>
-                          </a:rPr>
-                          <m:t>32.065 </m:t>
-                        </m:r>
-                        <m:r>
-                          <m:rPr>
-                            <m:nor/>
-                          </m:rPr>
-                          <a:rPr lang="en-US" sz="2200" b="0" i="0" smtClean="0">
-                            <a:latin typeface="Cambria Math" panose="02040503050406030204" pitchFamily="18" charset="0"/>
-                            <a:ea typeface="Cambria Math" panose="02040503050406030204" pitchFamily="18" charset="0"/>
-                          </a:rPr>
-                          <m:t>g</m:t>
-                        </m:r>
-                        <m:r>
-                          <m:rPr>
-                            <m:nor/>
-                          </m:rPr>
-                          <a:rPr lang="en-US" sz="2200" b="0" i="0" smtClean="0">
-                            <a:latin typeface="Cambria Math" panose="02040503050406030204" pitchFamily="18" charset="0"/>
-                            <a:ea typeface="Cambria Math" panose="02040503050406030204" pitchFamily="18" charset="0"/>
-                          </a:rPr>
-                          <m:t> </m:t>
-                        </m:r>
-                        <m:r>
-                          <m:rPr>
-                            <m:nor/>
-                          </m:rPr>
-                          <a:rPr lang="en-US" sz="2200" b="0" i="0" smtClean="0">
-                            <a:latin typeface="Cambria Math" panose="02040503050406030204" pitchFamily="18" charset="0"/>
-                            <a:ea typeface="Cambria Math" panose="02040503050406030204" pitchFamily="18" charset="0"/>
-                          </a:rPr>
-                          <m:t>S</m:t>
-                        </m:r>
-                      </m:den>
-                    </m:f>
-                    <m:r>
-                      <a:rPr lang="en-US" sz="2200" b="0" i="1" smtClean="0">
-                        <a:latin typeface="Cambria Math" panose="02040503050406030204" pitchFamily="18" charset="0"/>
-                        <a:ea typeface="Cambria Math" panose="02040503050406030204" pitchFamily="18" charset="0"/>
-                      </a:rPr>
-                      <m:t>×</m:t>
-                    </m:r>
-                    <m:f>
-                      <m:fPr>
-                        <m:ctrlPr>
-                          <a:rPr lang="en-US" sz="2200" b="0" i="1" smtClean="0">
-                            <a:latin typeface="Cambria Math" panose="02040503050406030204" pitchFamily="18" charset="0"/>
-                            <a:ea typeface="Cambria Math" panose="02040503050406030204" pitchFamily="18" charset="0"/>
-                          </a:rPr>
-                        </m:ctrlPr>
-                      </m:fPr>
-                      <m:num>
-                        <m:r>
-                          <m:rPr>
-                            <m:nor/>
-                          </m:rPr>
-                          <a:rPr lang="en-US" sz="2200" b="0" i="0" smtClean="0">
-                            <a:latin typeface="Cambria Math" panose="02040503050406030204" pitchFamily="18" charset="0"/>
-                            <a:ea typeface="Cambria Math" panose="02040503050406030204" pitchFamily="18" charset="0"/>
-                          </a:rPr>
-                          <m:t>2 </m:t>
-                        </m:r>
-                        <m:r>
-                          <m:rPr>
-                            <m:nor/>
-                          </m:rPr>
-                          <a:rPr lang="en-US" sz="2200" b="0" i="0" smtClean="0">
-                            <a:latin typeface="Cambria Math" panose="02040503050406030204" pitchFamily="18" charset="0"/>
-                            <a:ea typeface="Cambria Math" panose="02040503050406030204" pitchFamily="18" charset="0"/>
-                          </a:rPr>
-                          <m:t>mol</m:t>
-                        </m:r>
-                        <m:r>
-                          <m:rPr>
-                            <m:nor/>
-                          </m:rPr>
-                          <a:rPr lang="en-US" sz="2200" b="0" i="0" smtClean="0">
-                            <a:latin typeface="Cambria Math" panose="02040503050406030204" pitchFamily="18" charset="0"/>
-                            <a:ea typeface="Cambria Math" panose="02040503050406030204" pitchFamily="18" charset="0"/>
-                          </a:rPr>
-                          <m:t> </m:t>
-                        </m:r>
-                        <m:r>
-                          <m:rPr>
-                            <m:nor/>
-                          </m:rPr>
-                          <a:rPr lang="en-US" sz="2200" b="0" i="0" smtClean="0">
-                            <a:latin typeface="Cambria Math" panose="02040503050406030204" pitchFamily="18" charset="0"/>
-                            <a:ea typeface="Cambria Math" panose="02040503050406030204" pitchFamily="18" charset="0"/>
-                          </a:rPr>
-                          <m:t>Cu</m:t>
-                        </m:r>
-                      </m:num>
-                      <m:den>
-                        <m:r>
-                          <m:rPr>
-                            <m:nor/>
-                          </m:rPr>
-                          <a:rPr lang="en-US" sz="2200" b="0" i="0" smtClean="0">
-                            <a:latin typeface="Cambria Math" panose="02040503050406030204" pitchFamily="18" charset="0"/>
-                            <a:ea typeface="Cambria Math" panose="02040503050406030204" pitchFamily="18" charset="0"/>
-                          </a:rPr>
-                          <m:t>1 </m:t>
-                        </m:r>
-                        <m:r>
-                          <m:rPr>
-                            <m:nor/>
-                          </m:rPr>
-                          <a:rPr lang="en-US" sz="2200" b="0" i="0" smtClean="0">
-                            <a:latin typeface="Cambria Math" panose="02040503050406030204" pitchFamily="18" charset="0"/>
-                            <a:ea typeface="Cambria Math" panose="02040503050406030204" pitchFamily="18" charset="0"/>
-                          </a:rPr>
-                          <m:t>mol</m:t>
-                        </m:r>
-                        <m:r>
-                          <m:rPr>
-                            <m:nor/>
-                          </m:rPr>
-                          <a:rPr lang="en-US" sz="2200" b="0" i="0" smtClean="0">
-                            <a:latin typeface="Cambria Math" panose="02040503050406030204" pitchFamily="18" charset="0"/>
-                            <a:ea typeface="Cambria Math" panose="02040503050406030204" pitchFamily="18" charset="0"/>
-                          </a:rPr>
-                          <m:t> </m:t>
-                        </m:r>
-                        <m:r>
-                          <m:rPr>
-                            <m:nor/>
-                          </m:rPr>
-                          <a:rPr lang="en-US" sz="2200" b="0" i="0" smtClean="0">
-                            <a:latin typeface="Cambria Math" panose="02040503050406030204" pitchFamily="18" charset="0"/>
-                            <a:ea typeface="Cambria Math" panose="02040503050406030204" pitchFamily="18" charset="0"/>
-                          </a:rPr>
-                          <m:t>S</m:t>
-                        </m:r>
-                      </m:den>
-                    </m:f>
-                    <m:r>
-                      <m:rPr>
-                        <m:nor/>
-                      </m:rPr>
-                      <a:rPr lang="en-US" sz="2200" b="0" i="0" smtClean="0">
-                        <a:latin typeface="Cambria Math" panose="02040503050406030204" pitchFamily="18" charset="0"/>
-                        <a:ea typeface="Cambria Math" panose="02040503050406030204" pitchFamily="18" charset="0"/>
-                      </a:rPr>
-                      <m:t>×</m:t>
-                    </m:r>
-                    <m:f>
-                      <m:fPr>
-                        <m:ctrlPr>
-                          <a:rPr lang="en-US" sz="2200" b="0" i="1" smtClean="0">
-                            <a:latin typeface="Cambria Math" panose="02040503050406030204" pitchFamily="18" charset="0"/>
-                            <a:ea typeface="Cambria Math" panose="02040503050406030204" pitchFamily="18" charset="0"/>
-                          </a:rPr>
-                        </m:ctrlPr>
-                      </m:fPr>
-                      <m:num>
-                        <m:r>
-                          <m:rPr>
-                            <m:nor/>
-                          </m:rPr>
-                          <a:rPr lang="en-US" sz="2200" b="0" i="0" smtClean="0">
-                            <a:latin typeface="Cambria Math" panose="02040503050406030204" pitchFamily="18" charset="0"/>
-                            <a:ea typeface="Cambria Math" panose="02040503050406030204" pitchFamily="18" charset="0"/>
-                          </a:rPr>
-                          <m:t>63.546 </m:t>
-                        </m:r>
-                        <m:r>
-                          <m:rPr>
-                            <m:nor/>
-                          </m:rPr>
-                          <a:rPr lang="en-US" sz="2200" b="0" i="0" smtClean="0">
-                            <a:latin typeface="Cambria Math" panose="02040503050406030204" pitchFamily="18" charset="0"/>
-                            <a:ea typeface="Cambria Math" panose="02040503050406030204" pitchFamily="18" charset="0"/>
-                          </a:rPr>
-                          <m:t>g</m:t>
-                        </m:r>
-                        <m:r>
-                          <m:rPr>
-                            <m:nor/>
-                          </m:rPr>
-                          <a:rPr lang="en-US" sz="2200" b="0" i="0" smtClean="0">
-                            <a:latin typeface="Cambria Math" panose="02040503050406030204" pitchFamily="18" charset="0"/>
-                            <a:ea typeface="Cambria Math" panose="02040503050406030204" pitchFamily="18" charset="0"/>
-                          </a:rPr>
-                          <m:t> </m:t>
-                        </m:r>
-                        <m:r>
-                          <m:rPr>
-                            <m:nor/>
-                          </m:rPr>
-                          <a:rPr lang="en-US" sz="2200" b="0" i="0" smtClean="0">
-                            <a:latin typeface="Cambria Math" panose="02040503050406030204" pitchFamily="18" charset="0"/>
-                            <a:ea typeface="Cambria Math" panose="02040503050406030204" pitchFamily="18" charset="0"/>
-                          </a:rPr>
-                          <m:t>Cu</m:t>
-                        </m:r>
-                      </m:num>
-                      <m:den>
-                        <m:r>
-                          <m:rPr>
-                            <m:nor/>
-                          </m:rPr>
-                          <a:rPr lang="en-US" sz="2200" b="0" i="0" smtClean="0">
-                            <a:latin typeface="Cambria Math" panose="02040503050406030204" pitchFamily="18" charset="0"/>
-                            <a:ea typeface="Cambria Math" panose="02040503050406030204" pitchFamily="18" charset="0"/>
-                          </a:rPr>
-                          <m:t>1 </m:t>
-                        </m:r>
-                        <m:r>
-                          <m:rPr>
-                            <m:nor/>
-                          </m:rPr>
-                          <a:rPr lang="en-US" sz="2200" b="0" i="0" smtClean="0">
-                            <a:latin typeface="Cambria Math" panose="02040503050406030204" pitchFamily="18" charset="0"/>
-                            <a:ea typeface="Cambria Math" panose="02040503050406030204" pitchFamily="18" charset="0"/>
-                          </a:rPr>
-                          <m:t>mol</m:t>
-                        </m:r>
-                        <m:r>
-                          <m:rPr>
-                            <m:nor/>
-                          </m:rPr>
-                          <a:rPr lang="en-US" sz="2200" b="0" i="0" smtClean="0">
-                            <a:latin typeface="Cambria Math" panose="02040503050406030204" pitchFamily="18" charset="0"/>
-                            <a:ea typeface="Cambria Math" panose="02040503050406030204" pitchFamily="18" charset="0"/>
-                          </a:rPr>
-                          <m:t> </m:t>
-                        </m:r>
-                        <m:r>
-                          <m:rPr>
-                            <m:nor/>
-                          </m:rPr>
-                          <a:rPr lang="en-US" sz="2200" b="0" i="0" smtClean="0">
-                            <a:latin typeface="Cambria Math" panose="02040503050406030204" pitchFamily="18" charset="0"/>
-                            <a:ea typeface="Cambria Math" panose="02040503050406030204" pitchFamily="18" charset="0"/>
-                          </a:rPr>
-                          <m:t>Cu</m:t>
-                        </m:r>
-                      </m:den>
-                    </m:f>
-                    <m:r>
-                      <m:rPr>
-                        <m:nor/>
-                      </m:rPr>
-                      <a:rPr lang="en-US" sz="2200" b="0" i="0" smtClean="0">
-                        <a:latin typeface="Cambria Math" panose="02040503050406030204" pitchFamily="18" charset="0"/>
-                        <a:ea typeface="Cambria Math" panose="02040503050406030204" pitchFamily="18" charset="0"/>
-                      </a:rPr>
-                      <m:t>=</m:t>
-                    </m:r>
-                    <m:r>
-                      <m:rPr>
-                        <m:nor/>
-                      </m:rPr>
-                      <a:rPr lang="en-US" sz="2200" b="0" i="0" smtClean="0">
-                        <a:latin typeface="Cambria Math" panose="02040503050406030204" pitchFamily="18" charset="0"/>
-                      </a:rPr>
-                      <m:t> 7.93 </m:t>
-                    </m:r>
-                    <m:r>
-                      <m:rPr>
-                        <m:nor/>
-                      </m:rPr>
-                      <a:rPr lang="en-US" sz="2200" b="0" i="0" smtClean="0">
-                        <a:latin typeface="Cambria Math" panose="02040503050406030204" pitchFamily="18" charset="0"/>
-                      </a:rPr>
-                      <m:t>g</m:t>
-                    </m:r>
-                    <m:r>
-                      <m:rPr>
-                        <m:nor/>
-                      </m:rPr>
-                      <a:rPr lang="en-US" sz="2200" b="0" i="0" smtClean="0">
-                        <a:latin typeface="Cambria Math" panose="02040503050406030204" pitchFamily="18" charset="0"/>
-                      </a:rPr>
-                      <m:t> </m:t>
-                    </m:r>
-                    <m:r>
-                      <m:rPr>
-                        <m:nor/>
-                      </m:rPr>
-                      <a:rPr lang="en-US" sz="2200" b="0" i="0" smtClean="0">
-                        <a:latin typeface="Cambria Math" panose="02040503050406030204" pitchFamily="18" charset="0"/>
-                      </a:rPr>
-                      <m:t>Cu</m:t>
-                    </m:r>
-                  </m:oMath>
-                </a14:m>
-                <a:endParaRPr lang="en-US" sz="2200" dirty="0"/>
-              </a:p>
-              <a:p>
-                <a:r>
-                  <a:rPr lang="en-US" sz="2200" dirty="0"/>
-                  <a:t>If you consider you can weigh out up to 4.00 g S, then you could consume as much as ~16 g Cu</a:t>
-                </a:r>
-              </a:p>
-            </p:txBody>
-          </p:sp>
-        </mc:Choice>
-        <mc:Fallback xmlns="">
-          <p:sp>
-            <p:nvSpPr>
-              <p:cNvPr id="3" name="Content Placeholder 2">
-                <a:extLst>
-                  <a:ext uri="{FF2B5EF4-FFF2-40B4-BE49-F238E27FC236}">
-                    <a16:creationId xmlns:a16="http://schemas.microsoft.com/office/drawing/2014/main" id="{10F096D7-7F9F-3A76-824B-79A56486284F}"/>
-                  </a:ext>
-                </a:extLst>
-              </p:cNvPr>
-              <p:cNvSpPr>
-                <a:spLocks noGrp="1" noRot="1" noChangeAspect="1" noMove="1" noResize="1" noEditPoints="1" noAdjustHandles="1" noChangeArrowheads="1" noChangeShapeType="1" noTextEdit="1"/>
-              </p:cNvSpPr>
-              <p:nvPr>
-                <p:ph idx="1"/>
-              </p:nvPr>
-            </p:nvSpPr>
-            <p:spPr>
-              <a:blipFill>
-                <a:blip r:embed="rId2"/>
-                <a:stretch>
-                  <a:fillRect l="-1090" t="-936"/>
-                </a:stretch>
-              </a:blipFill>
-            </p:spPr>
-            <p:txBody>
-              <a:bodyPr/>
-              <a:lstStyle/>
-              <a:p>
-                <a:r>
-                  <a:rPr lang="en-US">
-                    <a:noFill/>
-                  </a:rPr>
-                  <a:t> </a:t>
-                </a:r>
-              </a:p>
-            </p:txBody>
-          </p:sp>
-        </mc:Fallback>
-      </mc:AlternateContent>
-    </p:spTree>
-    <p:extLst>
-      <p:ext uri="{BB962C8B-B14F-4D97-AF65-F5344CB8AC3E}">
-        <p14:creationId xmlns:p14="http://schemas.microsoft.com/office/powerpoint/2010/main" val="1120309110"/>
-      </p:ext>
-    </p:extLst>
-  </p:cSld>
-  <p:clrMapOvr>
-    <a:masterClrMapping/>
-  </p:clrMapOvr>
-</p:sld>
-</file>
-
-<file path=ppt/slides/slide7.xml><?xml version="1.0" encoding="utf-8"?>
 <p:sld xmlns:a="http://schemas.openxmlformats.org/drawingml/2006/main" xmlns:r="http://schemas.openxmlformats.org/officeDocument/2006/relationships" xmlns:p="http://schemas.openxmlformats.org/presentationml/2006/main">
   <p:cSld>
     <p:spTree>
@@ -12823,7 +11478,7 @@
         </p:nvSpPr>
         <p:spPr>
           <a:xfrm>
-            <a:off x="338666" y="122984"/>
+            <a:off x="338666" y="186263"/>
             <a:ext cx="8421512" cy="830997"/>
           </a:xfrm>
         </p:spPr>
@@ -12840,10 +11495,10 @@
       </p:sp>
       <p:pic>
         <p:nvPicPr>
-          <p:cNvPr id="28" name="Picture 27">
+          <p:cNvPr id="7" name="Picture 6">
             <a:extLst>
               <a:ext uri="{FF2B5EF4-FFF2-40B4-BE49-F238E27FC236}">
-                <a16:creationId xmlns:a16="http://schemas.microsoft.com/office/drawing/2014/main" id="{E3D37E1F-6623-386E-390F-27A95E1D5E63}"/>
+                <a16:creationId xmlns:a16="http://schemas.microsoft.com/office/drawing/2014/main" id="{676C70FC-CF4F-72A9-45BA-6C152210CFC0}"/>
               </a:ext>
             </a:extLst>
           </p:cNvPr>
@@ -12860,8 +11515,68 @@
         </p:blipFill>
         <p:spPr>
           <a:xfrm>
-            <a:off x="163688" y="1073405"/>
-            <a:ext cx="8805334" cy="5661611"/>
+            <a:off x="4252619" y="1557213"/>
+            <a:ext cx="4727585" cy="4476263"/>
+          </a:xfrm>
+          <a:prstGeom prst="rect">
+            <a:avLst/>
+          </a:prstGeom>
+        </p:spPr>
+      </p:pic>
+      <p:pic>
+        <p:nvPicPr>
+          <p:cNvPr id="9" name="Picture 8">
+            <a:extLst>
+              <a:ext uri="{FF2B5EF4-FFF2-40B4-BE49-F238E27FC236}">
+                <a16:creationId xmlns:a16="http://schemas.microsoft.com/office/drawing/2014/main" id="{7E80CC8F-ED95-EDD8-B4E9-D10282DC231B}"/>
+              </a:ext>
+            </a:extLst>
+          </p:cNvPr>
+          <p:cNvPicPr>
+            <a:picLocks noChangeAspect="1"/>
+          </p:cNvPicPr>
+          <p:nvPr/>
+        </p:nvPicPr>
+        <p:blipFill>
+          <a:blip r:embed="rId3"/>
+          <a:stretch>
+            <a:fillRect/>
+          </a:stretch>
+        </p:blipFill>
+        <p:spPr>
+          <a:xfrm>
+            <a:off x="747482" y="4216501"/>
+            <a:ext cx="3355596" cy="2432654"/>
+          </a:xfrm>
+          <a:prstGeom prst="rect">
+            <a:avLst/>
+          </a:prstGeom>
+        </p:spPr>
+      </p:pic>
+      <p:pic>
+        <p:nvPicPr>
+          <p:cNvPr id="14" name="Picture 13">
+            <a:extLst>
+              <a:ext uri="{FF2B5EF4-FFF2-40B4-BE49-F238E27FC236}">
+                <a16:creationId xmlns:a16="http://schemas.microsoft.com/office/drawing/2014/main" id="{FA4E417B-EEB2-F2C7-59DF-BE10FBAAC170}"/>
+              </a:ext>
+            </a:extLst>
+          </p:cNvPr>
+          <p:cNvPicPr>
+            <a:picLocks noChangeAspect="1"/>
+          </p:cNvPicPr>
+          <p:nvPr/>
+        </p:nvPicPr>
+        <p:blipFill>
+          <a:blip r:embed="rId4"/>
+          <a:stretch>
+            <a:fillRect/>
+          </a:stretch>
+        </p:blipFill>
+        <p:spPr>
+          <a:xfrm>
+            <a:off x="974127" y="1017260"/>
+            <a:ext cx="2676899" cy="3248478"/>
           </a:xfrm>
           <a:prstGeom prst="rect">
             <a:avLst/>
@@ -12881,7 +11596,101 @@
 </p:sld>
 </file>
 
-<file path=ppt/slides/slide8.xml><?xml version="1.0" encoding="utf-8"?>
+<file path=ppt/slides/slide5.xml><?xml version="1.0" encoding="utf-8"?>
+<p:sld xmlns:a="http://schemas.openxmlformats.org/drawingml/2006/main" xmlns:r="http://schemas.openxmlformats.org/officeDocument/2006/relationships" xmlns:p="http://schemas.openxmlformats.org/presentationml/2006/main">
+  <p:cSld>
+    <p:spTree>
+      <p:nvGrpSpPr>
+        <p:cNvPr id="1" name="">
+          <a:extLst>
+            <a:ext uri="{FF2B5EF4-FFF2-40B4-BE49-F238E27FC236}">
+              <a16:creationId xmlns:a16="http://schemas.microsoft.com/office/drawing/2014/main" id="{9DE81E97-D2A6-DE9F-B669-BC6BDAA0AA18}"/>
+            </a:ext>
+          </a:extLst>
+        </p:cNvPr>
+        <p:cNvGrpSpPr/>
+        <p:nvPr/>
+      </p:nvGrpSpPr>
+      <p:grpSpPr>
+        <a:xfrm>
+          <a:off x="0" y="0"/>
+          <a:ext cx="0" cy="0"/>
+          <a:chOff x="0" y="0"/>
+          <a:chExt cx="0" cy="0"/>
+        </a:xfrm>
+      </p:grpSpPr>
+      <p:sp>
+        <p:nvSpPr>
+          <p:cNvPr id="4" name="Content Placeholder 3">
+            <a:extLst>
+              <a:ext uri="{FF2B5EF4-FFF2-40B4-BE49-F238E27FC236}">
+                <a16:creationId xmlns:a16="http://schemas.microsoft.com/office/drawing/2014/main" id="{977EA3EE-3FC6-C199-01E4-5A54ED308621}"/>
+              </a:ext>
+            </a:extLst>
+          </p:cNvPr>
+          <p:cNvSpPr>
+            <a:spLocks noGrp="1"/>
+          </p:cNvSpPr>
+          <p:nvPr>
+            <p:ph idx="1"/>
+          </p:nvPr>
+        </p:nvSpPr>
+        <p:spPr/>
+        <p:txBody>
+          <a:bodyPr/>
+          <a:lstStyle/>
+          <a:p>
+            <a:endParaRPr lang="en-US" dirty="0"/>
+          </a:p>
+        </p:txBody>
+      </p:sp>
+      <p:sp>
+        <p:nvSpPr>
+          <p:cNvPr id="2" name="Title 1">
+            <a:extLst>
+              <a:ext uri="{FF2B5EF4-FFF2-40B4-BE49-F238E27FC236}">
+                <a16:creationId xmlns:a16="http://schemas.microsoft.com/office/drawing/2014/main" id="{CEB758A3-301B-DFF0-D4AC-F893D4C98672}"/>
+              </a:ext>
+            </a:extLst>
+          </p:cNvPr>
+          <p:cNvSpPr>
+            <a:spLocks noGrp="1"/>
+          </p:cNvSpPr>
+          <p:nvPr>
+            <p:ph type="title"/>
+          </p:nvPr>
+        </p:nvSpPr>
+        <p:spPr>
+          <a:xfrm>
+            <a:off x="338666" y="122984"/>
+            <a:ext cx="8421512" cy="830997"/>
+          </a:xfrm>
+        </p:spPr>
+        <p:txBody>
+          <a:bodyPr/>
+          <a:lstStyle/>
+          <a:p>
+            <a:r>
+              <a:rPr lang="en-US" dirty="0"/>
+              <a:t>Consumables You Will Use</a:t>
+            </a:r>
+          </a:p>
+        </p:txBody>
+      </p:sp>
+    </p:spTree>
+    <p:extLst>
+      <p:ext uri="{BB962C8B-B14F-4D97-AF65-F5344CB8AC3E}">
+        <p14:creationId xmlns:p14="http://schemas.microsoft.com/office/powerpoint/2010/main" val="478214431"/>
+      </p:ext>
+    </p:extLst>
+  </p:cSld>
+  <p:clrMapOvr>
+    <a:masterClrMapping/>
+  </p:clrMapOvr>
+</p:sld>
+</file>
+
+<file path=ppt/slides/slide6.xml><?xml version="1.0" encoding="utf-8"?>
 <p:sld xmlns:a="http://schemas.openxmlformats.org/drawingml/2006/main" xmlns:r="http://schemas.openxmlformats.org/officeDocument/2006/relationships" xmlns:p="http://schemas.openxmlformats.org/presentationml/2006/main">
   <p:cSld>
     <p:spTree>
@@ -12967,13 +11776,26 @@
               <a:buNone/>
             </a:pPr>
             <a:r>
-              <a:rPr lang="en-US" sz="2800" i="1" dirty="0">
+              <a:rPr lang="en-US" i="1" dirty="0">
                 <a:solidFill>
                   <a:srgbClr val="00FF00"/>
                 </a:solidFill>
               </a:rPr>
-              <a:t>Cleaning the Crucible</a:t>
-            </a:r>
+              <a:t>Preparing the </a:t>
+            </a:r>
+            <a:r>
+              <a:rPr lang="en-US" i="1" dirty="0" err="1">
+                <a:solidFill>
+                  <a:srgbClr val="00FF00"/>
+                </a:solidFill>
+              </a:rPr>
+              <a:t>buret</a:t>
+            </a:r>
+            <a:endParaRPr lang="en-US" i="1" dirty="0">
+              <a:solidFill>
+                <a:srgbClr val="00FF00"/>
+              </a:solidFill>
+            </a:endParaRPr>
           </a:p>
           <a:p>
             <a:pPr marL="457200" indent="-457200">
@@ -12981,8 +11803,24 @@
               <a:buAutoNum type="arabicPeriod"/>
             </a:pPr>
             <a:r>
-              <a:rPr lang="en-US" sz="2800" dirty="0"/>
-              <a:t>If crucible dirty, use small steel wool piece to scrape out solids. Wipe with dry paper towel</a:t>
+              <a:rPr lang="en-US" dirty="0"/>
+              <a:t>Rinse the </a:t>
+            </a:r>
+            <a:r>
+              <a:rPr lang="en-US" dirty="0" err="1"/>
+              <a:t>buret</a:t>
+            </a:r>
+            <a:r>
+              <a:rPr lang="en-US" dirty="0"/>
+              <a:t> with 5 mL DI water three times (turn </a:t>
+            </a:r>
+            <a:r>
+              <a:rPr lang="en-US" dirty="0" err="1"/>
+              <a:t>buret</a:t>
+            </a:r>
+            <a:r>
+              <a:rPr lang="en-US" dirty="0"/>
+              <a:t> on side and rotate it). Collect the rinse in a large waste beaker.</a:t>
             </a:r>
           </a:p>
           <a:p>
@@ -12991,8 +11829,8 @@
               <a:buAutoNum type="arabicPeriod"/>
             </a:pPr>
             <a:r>
-              <a:rPr lang="en-US" sz="2800" dirty="0"/>
-              <a:t>Put crucible on stand and heat with blue-coned flame until slightly red hot</a:t>
+              <a:rPr lang="en-US" dirty="0"/>
+              <a:t>Repeat rinsing but with 5 mL of the titrant NaOH solution</a:t>
             </a:r>
           </a:p>
           <a:p>
@@ -13001,29 +11839,32 @@
               <a:buAutoNum type="arabicPeriod"/>
             </a:pPr>
             <a:r>
-              <a:rPr lang="en-US" sz="2800" dirty="0"/>
-              <a:t>Use tongs to set crucible on wire mesh and let cool to room temperature (~5 minutes)</a:t>
-            </a:r>
-          </a:p>
-          <a:p>
-            <a:pPr marL="0" indent="0">
-              <a:buNone/>
-            </a:pPr>
-            <a:r>
-              <a:rPr lang="en-US" sz="2800" dirty="0"/>
-              <a:t>DO NOT SET ANY </a:t>
-            </a:r>
-            <a:r>
-              <a:rPr lang="en-US" sz="3200" b="1" dirty="0">
-                <a:solidFill>
-                  <a:srgbClr val="FF0066"/>
-                </a:solidFill>
-              </a:rPr>
-              <a:t>HOT</a:t>
-            </a:r>
-            <a:r>
-              <a:rPr lang="en-US" sz="2800" dirty="0"/>
-              <a:t> CRUCIBLE ON COUNTERTOP OR ON PAPER OR THEY CAN BURN!</a:t>
+              <a:rPr lang="en-US" dirty="0"/>
+              <a:t>Clamp the </a:t>
+            </a:r>
+            <a:r>
+              <a:rPr lang="en-US" dirty="0" err="1"/>
+              <a:t>buret</a:t>
+            </a:r>
+            <a:r>
+              <a:rPr lang="en-US" dirty="0"/>
+              <a:t> to the stand and with the waste beaker under it and stopcock open, add several mL to </a:t>
+            </a:r>
+            <a:r>
+              <a:rPr lang="en-US" dirty="0" err="1"/>
+              <a:t>buret</a:t>
+            </a:r>
+            <a:r>
+              <a:rPr lang="en-US" dirty="0"/>
+              <a:t>. As it flows, close stopcock. Ensure flow has filled </a:t>
+            </a:r>
+            <a:r>
+              <a:rPr lang="en-US" dirty="0" err="1"/>
+              <a:t>buret</a:t>
+            </a:r>
+            <a:r>
+              <a:rPr lang="en-US" dirty="0"/>
+              <a:t> tip</a:t>
             </a:r>
           </a:p>
         </p:txBody>
@@ -13041,7 +11882,7 @@
 </p:sld>
 </file>
 
-<file path=ppt/slides/slide9.xml><?xml version="1.0" encoding="utf-8"?>
+<file path=ppt/slides/slide7.xml><?xml version="1.0" encoding="utf-8"?>
 <p:sld xmlns:a="http://schemas.openxmlformats.org/drawingml/2006/main" xmlns:r="http://schemas.openxmlformats.org/officeDocument/2006/relationships" xmlns:p="http://schemas.openxmlformats.org/presentationml/2006/main">
   <p:cSld>
     <p:spTree>
@@ -13049,7 +11890,7 @@
         <p:cNvPr id="1" name="">
           <a:extLst>
             <a:ext uri="{FF2B5EF4-FFF2-40B4-BE49-F238E27FC236}">
-              <a16:creationId xmlns:a16="http://schemas.microsoft.com/office/drawing/2014/main" id="{4EB46B47-6540-F52F-1F64-854396E70E55}"/>
+              <a16:creationId xmlns:a16="http://schemas.microsoft.com/office/drawing/2014/main" id="{FE87709A-8175-FF7F-0231-BB8E55FD5510}"/>
             </a:ext>
           </a:extLst>
         </p:cNvPr>
@@ -13069,7 +11910,7 @@
           <p:cNvPr id="2" name="Title 1">
             <a:extLst>
               <a:ext uri="{FF2B5EF4-FFF2-40B4-BE49-F238E27FC236}">
-                <a16:creationId xmlns:a16="http://schemas.microsoft.com/office/drawing/2014/main" id="{F6F2263F-7C9A-1678-6FE0-453CEF2400AF}"/>
+                <a16:creationId xmlns:a16="http://schemas.microsoft.com/office/drawing/2014/main" id="{AC077271-3009-4152-9A13-701D524303F5}"/>
               </a:ext>
             </a:extLst>
           </p:cNvPr>
@@ -13102,7 +11943,7 @@
           <p:cNvPr id="6" name="Content Placeholder 5">
             <a:extLst>
               <a:ext uri="{FF2B5EF4-FFF2-40B4-BE49-F238E27FC236}">
-                <a16:creationId xmlns:a16="http://schemas.microsoft.com/office/drawing/2014/main" id="{003BDB66-1E78-B72D-677D-D6B5050E2008}"/>
+                <a16:creationId xmlns:a16="http://schemas.microsoft.com/office/drawing/2014/main" id="{407D3CAC-588F-B250-8F8D-44662EA2D80D}"/>
               </a:ext>
             </a:extLst>
           </p:cNvPr>
@@ -13127,166 +11968,417 @@
               <a:buNone/>
             </a:pPr>
             <a:r>
-              <a:rPr lang="en-US" sz="2800" i="1" dirty="0">
+              <a:rPr lang="en-US" i="1" dirty="0">
                 <a:solidFill>
                   <a:srgbClr val="00FF00"/>
                 </a:solidFill>
               </a:rPr>
-              <a:t>Before Reaction</a:t>
+              <a:t>Part I-Standardization</a:t>
             </a:r>
           </a:p>
           <a:p>
             <a:pPr marL="457200" indent="-457200">
               <a:buFont typeface="+mj-lt"/>
-              <a:buAutoNum type="arabicPeriod"/>
+              <a:buAutoNum type="arabicPeriod" startAt="4"/>
             </a:pPr>
             <a:r>
               <a:rPr lang="en-US" dirty="0"/>
-              <a:t>Determine mass of empty </a:t>
-            </a:r>
-            <a:r>
-              <a:rPr lang="en-US" dirty="0">
-                <a:solidFill>
-                  <a:schemeClr val="accent1">
-                    <a:lumMod val="60000"/>
-                    <a:lumOff val="40000"/>
-                  </a:schemeClr>
-                </a:solidFill>
-              </a:rPr>
-              <a:t>crucible</a:t>
+              <a:t>Fill </a:t>
+            </a:r>
+            <a:r>
+              <a:rPr lang="en-US" dirty="0" err="1"/>
+              <a:t>buret</a:t>
             </a:r>
             <a:r>
               <a:rPr lang="en-US" dirty="0"/>
-              <a:t> (A)</a:t>
+              <a:t> with ~0.1 M NaOH titrant between the 0 and 3 mL mark</a:t>
             </a:r>
           </a:p>
           <a:p>
             <a:pPr marL="457200" indent="-457200">
               <a:buFont typeface="+mj-lt"/>
-              <a:buAutoNum type="arabicPeriod"/>
+              <a:buAutoNum type="arabicPeriod" startAt="4"/>
             </a:pPr>
             <a:r>
               <a:rPr lang="en-US" dirty="0"/>
-              <a:t>Get </a:t>
-            </a:r>
-            <a:r>
-              <a:rPr lang="en-US" dirty="0">
-                <a:solidFill>
-                  <a:srgbClr val="FF9933"/>
-                </a:solidFill>
-              </a:rPr>
-              <a:t>copper wire</a:t>
+              <a:t>Record initial </a:t>
+            </a:r>
+            <a:r>
+              <a:rPr lang="en-US" dirty="0" err="1"/>
+              <a:t>buret</a:t>
             </a:r>
             <a:r>
               <a:rPr lang="en-US" dirty="0"/>
-              <a:t>, </a:t>
-            </a:r>
-            <a:r>
-              <a:rPr lang="en-US" dirty="0">
-                <a:solidFill>
-                  <a:srgbClr val="FFFF00"/>
-                </a:solidFill>
-              </a:rPr>
-              <a:t>coil</a:t>
-            </a:r>
-            <a:r>
-              <a:rPr lang="en-US" dirty="0"/>
-              <a:t> it to fit in </a:t>
-            </a:r>
-            <a:r>
-              <a:rPr lang="en-US" dirty="0">
-                <a:solidFill>
-                  <a:schemeClr val="accent1">
-                    <a:lumMod val="60000"/>
-                    <a:lumOff val="40000"/>
-                  </a:schemeClr>
-                </a:solidFill>
-              </a:rPr>
-              <a:t>crucible</a:t>
-            </a:r>
-            <a:r>
-              <a:rPr lang="en-US" dirty="0"/>
-              <a:t>. Record the physical properties, and then the mass of the wire in crucible (B)</a:t>
+              <a:t> reading to correct precision: if the smallest division mark is 0.1 mL, then the precision should be ±0.01 mL</a:t>
             </a:r>
           </a:p>
           <a:p>
             <a:pPr marL="457200" indent="-457200">
               <a:buFont typeface="+mj-lt"/>
-              <a:buAutoNum type="arabicPeriod"/>
+              <a:buAutoNum type="arabicPeriod" startAt="4"/>
             </a:pPr>
             <a:r>
               <a:rPr lang="en-US" dirty="0"/>
-              <a:t>On </a:t>
-            </a:r>
-            <a:r>
-              <a:rPr lang="en-US" dirty="0">
-                <a:solidFill>
-                  <a:schemeClr val="accent1">
-                    <a:lumMod val="60000"/>
-                    <a:lumOff val="40000"/>
-                  </a:schemeClr>
-                </a:solidFill>
-              </a:rPr>
-              <a:t>glassine paper</a:t>
-            </a:r>
+              <a:t>Oxalic acid</a:t>
+            </a:r>
+          </a:p>
+          <a:p>
+            <a:pPr marL="693738" lvl="1" indent="-457200">
+              <a:buFont typeface="+mj-lt"/>
+              <a:buAutoNum type="alphaLcParenR"/>
+            </a:pPr>
             <a:r>
               <a:rPr lang="en-US" dirty="0"/>
-              <a:t>, use </a:t>
-            </a:r>
-            <a:r>
-              <a:rPr lang="en-US" dirty="0">
-                <a:solidFill>
-                  <a:schemeClr val="accent1">
-                    <a:lumMod val="60000"/>
-                    <a:lumOff val="40000"/>
-                  </a:schemeClr>
-                </a:solidFill>
-              </a:rPr>
-              <a:t>scoopula</a:t>
-            </a:r>
+              <a:t>Put glassine weigh paper on balance and tare (zero)</a:t>
+            </a:r>
+          </a:p>
+          <a:p>
+            <a:pPr marL="693738" lvl="1" indent="-457200">
+              <a:buFont typeface="+mj-lt"/>
+              <a:buAutoNum type="alphaLcParenR"/>
+            </a:pPr>
             <a:r>
               <a:rPr lang="en-US" dirty="0"/>
-              <a:t> to get 2-4 g </a:t>
-            </a:r>
-            <a:r>
-              <a:rPr lang="en-US" dirty="0">
-                <a:solidFill>
-                  <a:srgbClr val="FF9933"/>
-                </a:solidFill>
-              </a:rPr>
-              <a:t>sulfur</a:t>
-            </a:r>
+              <a:t>Spoon out between 0.1000 and 0.1200 g oxalic acid dihydrate and record mass</a:t>
+            </a:r>
+          </a:p>
+          <a:p>
+            <a:pPr marL="693738" lvl="1" indent="-457200">
+              <a:buFont typeface="+mj-lt"/>
+              <a:buAutoNum type="alphaLcParenR"/>
+            </a:pPr>
             <a:r>
               <a:rPr lang="en-US" dirty="0"/>
-              <a:t>. Add to the crucible to cover the coiled wire. Record total mass in crucible (C)</a:t>
-            </a:r>
-          </a:p>
-          <a:p>
-            <a:pPr marL="0" indent="0">
-              <a:buNone/>
-            </a:pPr>
-            <a:endParaRPr lang="en-US" dirty="0"/>
+              <a:t>Transfer the acid completely without spilling into flask</a:t>
+            </a:r>
           </a:p>
           <a:p>
             <a:pPr marL="457200" indent="-457200">
               <a:buFont typeface="+mj-lt"/>
-              <a:buAutoNum type="arabicPeriod"/>
+              <a:buAutoNum type="arabicPeriod" startAt="4"/>
             </a:pPr>
-            <a:endParaRPr lang="en-US" dirty="0"/>
+            <a:r>
+              <a:rPr lang="en-US" dirty="0"/>
+              <a:t>Add about 10 mL DI-water in 10 mL graduated cylinder to the flask with acid, swirl to dissolve</a:t>
+            </a:r>
           </a:p>
           <a:p>
             <a:pPr marL="457200" indent="-457200">
               <a:buFont typeface="+mj-lt"/>
-              <a:buAutoNum type="arabicPeriod"/>
+              <a:buAutoNum type="arabicPeriod" startAt="4"/>
             </a:pPr>
-            <a:endParaRPr lang="en-US" sz="2800" dirty="0"/>
+            <a:r>
+              <a:rPr lang="en-US" dirty="0"/>
+              <a:t>Add 2-3 drops phenolphthalein to flask</a:t>
+            </a:r>
           </a:p>
         </p:txBody>
       </p:sp>
     </p:spTree>
     <p:extLst>
       <p:ext uri="{BB962C8B-B14F-4D97-AF65-F5344CB8AC3E}">
-        <p14:creationId xmlns:p14="http://schemas.microsoft.com/office/powerpoint/2010/main" val="3789276793"/>
+        <p14:creationId xmlns:p14="http://schemas.microsoft.com/office/powerpoint/2010/main" val="2345466595"/>
+      </p:ext>
+    </p:extLst>
+  </p:cSld>
+  <p:clrMapOvr>
+    <a:masterClrMapping/>
+  </p:clrMapOvr>
+</p:sld>
+</file>
+
+<file path=ppt/slides/slide8.xml><?xml version="1.0" encoding="utf-8"?>
+<p:sld xmlns:a="http://schemas.openxmlformats.org/drawingml/2006/main" xmlns:r="http://schemas.openxmlformats.org/officeDocument/2006/relationships" xmlns:p="http://schemas.openxmlformats.org/presentationml/2006/main">
+  <p:cSld>
+    <p:spTree>
+      <p:nvGrpSpPr>
+        <p:cNvPr id="1" name="">
+          <a:extLst>
+            <a:ext uri="{FF2B5EF4-FFF2-40B4-BE49-F238E27FC236}">
+              <a16:creationId xmlns:a16="http://schemas.microsoft.com/office/drawing/2014/main" id="{A45982F0-6FEF-1DD5-8F88-C3CA74DD97C4}"/>
+            </a:ext>
+          </a:extLst>
+        </p:cNvPr>
+        <p:cNvGrpSpPr/>
+        <p:nvPr/>
+      </p:nvGrpSpPr>
+      <p:grpSpPr>
+        <a:xfrm>
+          <a:off x="0" y="0"/>
+          <a:ext cx="0" cy="0"/>
+          <a:chOff x="0" y="0"/>
+          <a:chExt cx="0" cy="0"/>
+        </a:xfrm>
+      </p:grpSpPr>
+      <p:sp>
+        <p:nvSpPr>
+          <p:cNvPr id="2" name="Title 1">
+            <a:extLst>
+              <a:ext uri="{FF2B5EF4-FFF2-40B4-BE49-F238E27FC236}">
+                <a16:creationId xmlns:a16="http://schemas.microsoft.com/office/drawing/2014/main" id="{B6123A48-8261-7B51-CD72-8E2B8E465E2D}"/>
+              </a:ext>
+            </a:extLst>
+          </p:cNvPr>
+          <p:cNvSpPr>
+            <a:spLocks noGrp="1"/>
+          </p:cNvSpPr>
+          <p:nvPr>
+            <p:ph type="title"/>
+          </p:nvPr>
+        </p:nvSpPr>
+        <p:spPr>
+          <a:xfrm>
+            <a:off x="338666" y="183025"/>
+            <a:ext cx="8421512" cy="769441"/>
+          </a:xfrm>
+        </p:spPr>
+        <p:txBody>
+          <a:bodyPr/>
+          <a:lstStyle/>
+          <a:p>
+            <a:r>
+              <a:rPr lang="en-US" sz="4400" dirty="0"/>
+              <a:t>Procedure</a:t>
+            </a:r>
+          </a:p>
+        </p:txBody>
+      </p:sp>
+      <p:sp>
+        <p:nvSpPr>
+          <p:cNvPr id="6" name="Content Placeholder 5">
+            <a:extLst>
+              <a:ext uri="{FF2B5EF4-FFF2-40B4-BE49-F238E27FC236}">
+                <a16:creationId xmlns:a16="http://schemas.microsoft.com/office/drawing/2014/main" id="{A67DC92C-FB76-2CC9-FEBE-8BF998CE76C3}"/>
+              </a:ext>
+            </a:extLst>
+          </p:cNvPr>
+          <p:cNvSpPr>
+            <a:spLocks noGrp="1"/>
+          </p:cNvSpPr>
+          <p:nvPr>
+            <p:ph idx="1"/>
+          </p:nvPr>
+        </p:nvSpPr>
+        <p:spPr>
+          <a:xfrm>
+            <a:off x="372533" y="952466"/>
+            <a:ext cx="8387645" cy="5595089"/>
+          </a:xfrm>
+        </p:spPr>
+        <p:txBody>
+          <a:bodyPr/>
+          <a:lstStyle/>
+          <a:p>
+            <a:pPr marL="0" indent="0">
+              <a:buNone/>
+            </a:pPr>
+            <a:r>
+              <a:rPr lang="en-US" i="1" dirty="0">
+                <a:solidFill>
+                  <a:srgbClr val="00FF00"/>
+                </a:solidFill>
+              </a:rPr>
+              <a:t>Part I-Standardization</a:t>
+            </a:r>
+          </a:p>
+          <a:p>
+            <a:pPr marL="457200" indent="-457200">
+              <a:buFont typeface="+mj-lt"/>
+              <a:buAutoNum type="arabicPeriod" startAt="9"/>
+            </a:pPr>
+            <a:r>
+              <a:rPr lang="en-US" dirty="0"/>
+              <a:t>Place piece of white paper under flask to observe any color change</a:t>
+            </a:r>
+          </a:p>
+          <a:p>
+            <a:pPr marL="457200" indent="-457200">
+              <a:buFont typeface="+mj-lt"/>
+              <a:buAutoNum type="arabicPeriod" startAt="9"/>
+            </a:pPr>
+            <a:r>
+              <a:rPr lang="en-US" dirty="0"/>
+              <a:t> Swirl flask and quickly add 10 mL NaOH from </a:t>
+            </a:r>
+            <a:r>
+              <a:rPr lang="en-US" dirty="0" err="1"/>
+              <a:t>buret</a:t>
+            </a:r>
+            <a:endParaRPr lang="en-US" dirty="0"/>
+          </a:p>
+          <a:p>
+            <a:pPr marL="457200" indent="-457200">
+              <a:buFont typeface="+mj-lt"/>
+              <a:buAutoNum type="arabicPeriod" startAt="9"/>
+            </a:pPr>
+            <a:r>
+              <a:rPr lang="en-US" dirty="0"/>
+              <a:t> Drop-by-drop titration</a:t>
+            </a:r>
+          </a:p>
+          <a:p>
+            <a:pPr marL="693738" lvl="1" indent="-457200">
+              <a:buFont typeface="+mj-lt"/>
+              <a:buAutoNum type="alphaLcParenR"/>
+            </a:pPr>
+            <a:r>
+              <a:rPr lang="en-US" dirty="0"/>
+              <a:t>The stopcock will be turned only to permit drop by drop addition of NaOH. Turn the stopcock on and off in controlled manner to dispense drops as necessary. As flask is swirled with each drop, look for pink color to appear. With each drop, the color may disappear more slowly. As the endpoint is reached, a very faint pink color will persist in solution.</a:t>
+            </a:r>
+          </a:p>
+          <a:p>
+            <a:pPr marL="693738" lvl="1" indent="-457200">
+              <a:buFont typeface="+mj-lt"/>
+              <a:buAutoNum type="alphaLcParenR"/>
+            </a:pPr>
+            <a:r>
+              <a:rPr lang="en-US" dirty="0"/>
+              <a:t>The best control is to quickly rotate stopcock by 180°, or to form a tiny drop in the tip, and touch tip to inside of flask wall</a:t>
+            </a:r>
+          </a:p>
+        </p:txBody>
+      </p:sp>
+    </p:spTree>
+    <p:extLst>
+      <p:ext uri="{BB962C8B-B14F-4D97-AF65-F5344CB8AC3E}">
+        <p14:creationId xmlns:p14="http://schemas.microsoft.com/office/powerpoint/2010/main" val="3378126116"/>
+      </p:ext>
+    </p:extLst>
+  </p:cSld>
+  <p:clrMapOvr>
+    <a:masterClrMapping/>
+  </p:clrMapOvr>
+</p:sld>
+</file>
+
+<file path=ppt/slides/slide9.xml><?xml version="1.0" encoding="utf-8"?>
+<p:sld xmlns:a="http://schemas.openxmlformats.org/drawingml/2006/main" xmlns:r="http://schemas.openxmlformats.org/officeDocument/2006/relationships" xmlns:p="http://schemas.openxmlformats.org/presentationml/2006/main">
+  <p:cSld>
+    <p:spTree>
+      <p:nvGrpSpPr>
+        <p:cNvPr id="1" name="">
+          <a:extLst>
+            <a:ext uri="{FF2B5EF4-FFF2-40B4-BE49-F238E27FC236}">
+              <a16:creationId xmlns:a16="http://schemas.microsoft.com/office/drawing/2014/main" id="{E8D80D32-0346-D500-B15B-E1E54834AE81}"/>
+            </a:ext>
+          </a:extLst>
+        </p:cNvPr>
+        <p:cNvGrpSpPr/>
+        <p:nvPr/>
+      </p:nvGrpSpPr>
+      <p:grpSpPr>
+        <a:xfrm>
+          <a:off x="0" y="0"/>
+          <a:ext cx="0" cy="0"/>
+          <a:chOff x="0" y="0"/>
+          <a:chExt cx="0" cy="0"/>
+        </a:xfrm>
+      </p:grpSpPr>
+      <p:sp>
+        <p:nvSpPr>
+          <p:cNvPr id="2" name="Title 1">
+            <a:extLst>
+              <a:ext uri="{FF2B5EF4-FFF2-40B4-BE49-F238E27FC236}">
+                <a16:creationId xmlns:a16="http://schemas.microsoft.com/office/drawing/2014/main" id="{6737EC1E-53AA-DE42-E643-9EE7E17C8537}"/>
+              </a:ext>
+            </a:extLst>
+          </p:cNvPr>
+          <p:cNvSpPr>
+            <a:spLocks noGrp="1"/>
+          </p:cNvSpPr>
+          <p:nvPr>
+            <p:ph type="title"/>
+          </p:nvPr>
+        </p:nvSpPr>
+        <p:spPr>
+          <a:xfrm>
+            <a:off x="338666" y="183025"/>
+            <a:ext cx="8421512" cy="769441"/>
+          </a:xfrm>
+        </p:spPr>
+        <p:txBody>
+          <a:bodyPr/>
+          <a:lstStyle/>
+          <a:p>
+            <a:r>
+              <a:rPr lang="en-US" sz="4400" dirty="0"/>
+              <a:t>Procedure</a:t>
+            </a:r>
+          </a:p>
+        </p:txBody>
+      </p:sp>
+      <p:sp>
+        <p:nvSpPr>
+          <p:cNvPr id="6" name="Content Placeholder 5">
+            <a:extLst>
+              <a:ext uri="{FF2B5EF4-FFF2-40B4-BE49-F238E27FC236}">
+                <a16:creationId xmlns:a16="http://schemas.microsoft.com/office/drawing/2014/main" id="{C845BD27-68B3-638C-6848-7B1736EE5D0B}"/>
+              </a:ext>
+            </a:extLst>
+          </p:cNvPr>
+          <p:cNvSpPr>
+            <a:spLocks noGrp="1"/>
+          </p:cNvSpPr>
+          <p:nvPr>
+            <p:ph idx="1"/>
+          </p:nvPr>
+        </p:nvSpPr>
+        <p:spPr>
+          <a:xfrm>
+            <a:off x="372533" y="952466"/>
+            <a:ext cx="8387645" cy="5595089"/>
+          </a:xfrm>
+        </p:spPr>
+        <p:txBody>
+          <a:bodyPr/>
+          <a:lstStyle/>
+          <a:p>
+            <a:pPr marL="0" indent="0">
+              <a:buNone/>
+            </a:pPr>
+            <a:r>
+              <a:rPr lang="en-US" i="1" dirty="0">
+                <a:solidFill>
+                  <a:srgbClr val="00FF00"/>
+                </a:solidFill>
+              </a:rPr>
+              <a:t>Part I-Standardization</a:t>
+            </a:r>
+          </a:p>
+          <a:p>
+            <a:pPr marL="457200" indent="-457200">
+              <a:buFont typeface="+mj-lt"/>
+              <a:buAutoNum type="arabicPeriod" startAt="12"/>
+            </a:pPr>
+            <a:r>
+              <a:rPr lang="en-US" dirty="0"/>
+              <a:t> Record the final </a:t>
+            </a:r>
+            <a:r>
+              <a:rPr lang="en-US" dirty="0" err="1"/>
+              <a:t>buret</a:t>
+            </a:r>
+            <a:r>
+              <a:rPr lang="en-US" dirty="0"/>
+              <a:t> reading</a:t>
+            </a:r>
+          </a:p>
+          <a:p>
+            <a:pPr marL="457200" indent="-457200">
+              <a:buFont typeface="+mj-lt"/>
+              <a:buAutoNum type="arabicPeriod" startAt="12"/>
+            </a:pPr>
+            <a:r>
+              <a:rPr lang="en-US" dirty="0"/>
+              <a:t> Repeat the standardization steps for additional trials, and especially if over-titrations occurred (the pink is too intense/bright)</a:t>
+            </a:r>
+          </a:p>
+        </p:txBody>
+      </p:sp>
+    </p:spTree>
+    <p:extLst>
+      <p:ext uri="{BB962C8B-B14F-4D97-AF65-F5344CB8AC3E}">
+        <p14:creationId xmlns:p14="http://schemas.microsoft.com/office/powerpoint/2010/main" val="3272621178"/>
       </p:ext>
     </p:extLst>
   </p:cSld>

--- a/Teaching/Chemistry/Labs/FCC Chem 3A Expt 12b Determination of Citric Acid in Soda.pptx
+++ b/Teaching/Chemistry/Labs/FCC Chem 3A Expt 12b Determination of Citric Acid in Soda.pptx
@@ -5,7 +5,7 @@
     <p:sldMasterId id="2147483803" r:id="rId1"/>
   </p:sldMasterIdLst>
   <p:notesMasterIdLst>
-    <p:notesMasterId r:id="rId18"/>
+    <p:notesMasterId r:id="rId19"/>
   </p:notesMasterIdLst>
   <p:sldIdLst>
     <p:sldId id="608" r:id="rId2"/>
@@ -14,16 +14,17 @@
     <p:sldId id="613" r:id="rId5"/>
     <p:sldId id="624" r:id="rId6"/>
     <p:sldId id="610" r:id="rId7"/>
-    <p:sldId id="625" r:id="rId8"/>
-    <p:sldId id="626" r:id="rId9"/>
-    <p:sldId id="627" r:id="rId10"/>
-    <p:sldId id="628" r:id="rId11"/>
-    <p:sldId id="621" r:id="rId12"/>
-    <p:sldId id="623" r:id="rId13"/>
-    <p:sldId id="629" r:id="rId14"/>
-    <p:sldId id="630" r:id="rId15"/>
-    <p:sldId id="631" r:id="rId16"/>
-    <p:sldId id="612" r:id="rId17"/>
+    <p:sldId id="632" r:id="rId8"/>
+    <p:sldId id="625" r:id="rId9"/>
+    <p:sldId id="626" r:id="rId10"/>
+    <p:sldId id="627" r:id="rId11"/>
+    <p:sldId id="628" r:id="rId12"/>
+    <p:sldId id="621" r:id="rId13"/>
+    <p:sldId id="623" r:id="rId14"/>
+    <p:sldId id="629" r:id="rId15"/>
+    <p:sldId id="630" r:id="rId16"/>
+    <p:sldId id="631" r:id="rId17"/>
+    <p:sldId id="612" r:id="rId18"/>
   </p:sldIdLst>
   <p:sldSz cx="9144000" cy="6858000" type="screen4x3"/>
   <p:notesSz cx="7315200" cy="9601200"/>
@@ -10327,6 +10328,143 @@
         <p:cNvPr id="1" name="">
           <a:extLst>
             <a:ext uri="{FF2B5EF4-FFF2-40B4-BE49-F238E27FC236}">
+              <a16:creationId xmlns:a16="http://schemas.microsoft.com/office/drawing/2014/main" id="{E8D80D32-0346-D500-B15B-E1E54834AE81}"/>
+            </a:ext>
+          </a:extLst>
+        </p:cNvPr>
+        <p:cNvGrpSpPr/>
+        <p:nvPr/>
+      </p:nvGrpSpPr>
+      <p:grpSpPr>
+        <a:xfrm>
+          <a:off x="0" y="0"/>
+          <a:ext cx="0" cy="0"/>
+          <a:chOff x="0" y="0"/>
+          <a:chExt cx="0" cy="0"/>
+        </a:xfrm>
+      </p:grpSpPr>
+      <p:sp>
+        <p:nvSpPr>
+          <p:cNvPr id="2" name="Title 1">
+            <a:extLst>
+              <a:ext uri="{FF2B5EF4-FFF2-40B4-BE49-F238E27FC236}">
+                <a16:creationId xmlns:a16="http://schemas.microsoft.com/office/drawing/2014/main" id="{6737EC1E-53AA-DE42-E643-9EE7E17C8537}"/>
+              </a:ext>
+            </a:extLst>
+          </p:cNvPr>
+          <p:cNvSpPr>
+            <a:spLocks noGrp="1"/>
+          </p:cNvSpPr>
+          <p:nvPr>
+            <p:ph type="title"/>
+          </p:nvPr>
+        </p:nvSpPr>
+        <p:spPr>
+          <a:xfrm>
+            <a:off x="338666" y="183025"/>
+            <a:ext cx="8421512" cy="769441"/>
+          </a:xfrm>
+        </p:spPr>
+        <p:txBody>
+          <a:bodyPr/>
+          <a:lstStyle/>
+          <a:p>
+            <a:r>
+              <a:rPr lang="en-US" sz="4400" dirty="0"/>
+              <a:t>Procedure</a:t>
+            </a:r>
+          </a:p>
+        </p:txBody>
+      </p:sp>
+      <p:sp>
+        <p:nvSpPr>
+          <p:cNvPr id="6" name="Content Placeholder 5">
+            <a:extLst>
+              <a:ext uri="{FF2B5EF4-FFF2-40B4-BE49-F238E27FC236}">
+                <a16:creationId xmlns:a16="http://schemas.microsoft.com/office/drawing/2014/main" id="{C845BD27-68B3-638C-6848-7B1736EE5D0B}"/>
+              </a:ext>
+            </a:extLst>
+          </p:cNvPr>
+          <p:cNvSpPr>
+            <a:spLocks noGrp="1"/>
+          </p:cNvSpPr>
+          <p:nvPr>
+            <p:ph idx="1"/>
+          </p:nvPr>
+        </p:nvSpPr>
+        <p:spPr>
+          <a:xfrm>
+            <a:off x="372533" y="952466"/>
+            <a:ext cx="8387645" cy="5595089"/>
+          </a:xfrm>
+        </p:spPr>
+        <p:txBody>
+          <a:bodyPr/>
+          <a:lstStyle/>
+          <a:p>
+            <a:pPr marL="0" indent="0">
+              <a:buNone/>
+            </a:pPr>
+            <a:r>
+              <a:rPr lang="en-US" i="1" dirty="0">
+                <a:solidFill>
+                  <a:srgbClr val="00FF00"/>
+                </a:solidFill>
+              </a:rPr>
+              <a:t>Part I-Standardization</a:t>
+            </a:r>
+          </a:p>
+          <a:p>
+            <a:pPr marL="457200" indent="-457200">
+              <a:buFont typeface="+mj-lt"/>
+              <a:buAutoNum type="arabicPeriod" startAt="12"/>
+            </a:pPr>
+            <a:r>
+              <a:rPr lang="en-US" dirty="0"/>
+              <a:t> Record the final </a:t>
+            </a:r>
+            <a:r>
+              <a:rPr lang="en-US" dirty="0" err="1"/>
+              <a:t>buret</a:t>
+            </a:r>
+            <a:r>
+              <a:rPr lang="en-US" dirty="0"/>
+              <a:t> reading</a:t>
+            </a:r>
+          </a:p>
+          <a:p>
+            <a:pPr marL="457200" indent="-457200">
+              <a:buFont typeface="+mj-lt"/>
+              <a:buAutoNum type="arabicPeriod" startAt="12"/>
+            </a:pPr>
+            <a:r>
+              <a:rPr lang="en-US" dirty="0"/>
+              <a:t> Repeat the standardization steps for additional trials, and especially if over-titrations occurred (the pink is too intense/bright)</a:t>
+            </a:r>
+          </a:p>
+        </p:txBody>
+      </p:sp>
+    </p:spTree>
+    <p:extLst>
+      <p:ext uri="{BB962C8B-B14F-4D97-AF65-F5344CB8AC3E}">
+        <p14:creationId xmlns:p14="http://schemas.microsoft.com/office/powerpoint/2010/main" val="3272621178"/>
+      </p:ext>
+    </p:extLst>
+  </p:cSld>
+  <p:clrMapOvr>
+    <a:masterClrMapping/>
+  </p:clrMapOvr>
+</p:sld>
+</file>
+
+<file path=ppt/slides/slide11.xml><?xml version="1.0" encoding="utf-8"?>
+<p:sld xmlns:a="http://schemas.openxmlformats.org/drawingml/2006/main" xmlns:r="http://schemas.openxmlformats.org/officeDocument/2006/relationships" xmlns:p="http://schemas.openxmlformats.org/presentationml/2006/main">
+  <p:cSld>
+    <p:spTree>
+      <p:nvGrpSpPr>
+        <p:cNvPr id="1" name="">
+          <a:extLst>
+            <a:ext uri="{FF2B5EF4-FFF2-40B4-BE49-F238E27FC236}">
               <a16:creationId xmlns:a16="http://schemas.microsoft.com/office/drawing/2014/main" id="{E74193DE-449A-944A-8E23-672B79ED60A1}"/>
             </a:ext>
           </a:extLst>
@@ -10514,7 +10652,7 @@
 </p:sld>
 </file>
 
-<file path=ppt/slides/slide11.xml><?xml version="1.0" encoding="utf-8"?>
+<file path=ppt/slides/slide12.xml><?xml version="1.0" encoding="utf-8"?>
 <p:sld xmlns:a="http://schemas.openxmlformats.org/drawingml/2006/main" xmlns:r="http://schemas.openxmlformats.org/officeDocument/2006/relationships" xmlns:p="http://schemas.openxmlformats.org/presentationml/2006/main">
   <p:cSld>
     <p:spTree>
@@ -10693,7 +10831,7 @@
 </p:sld>
 </file>
 
-<file path=ppt/slides/slide12.xml><?xml version="1.0" encoding="utf-8"?>
+<file path=ppt/slides/slide13.xml><?xml version="1.0" encoding="utf-8"?>
 <p:sld xmlns:a="http://schemas.openxmlformats.org/drawingml/2006/main" xmlns:r="http://schemas.openxmlformats.org/officeDocument/2006/relationships" xmlns:p="http://schemas.openxmlformats.org/presentationml/2006/main">
   <p:cSld>
     <p:spTree>
@@ -10734,7 +10872,7 @@
         </p:nvSpPr>
         <p:spPr>
           <a:xfrm>
-            <a:off x="349955" y="363788"/>
+            <a:off x="361244" y="214155"/>
             <a:ext cx="8421512" cy="830997"/>
           </a:xfrm>
         </p:spPr>
@@ -10745,7 +10883,7 @@
           <a:lstStyle/>
           <a:p>
             <a:r>
-              <a:rPr lang="en-US"/>
+              <a:rPr lang="en-US" dirty="0"/>
               <a:t>Example Data Analysis</a:t>
             </a:r>
           </a:p>
@@ -10753,10 +10891,10 @@
       </p:sp>
       <p:pic>
         <p:nvPicPr>
-          <p:cNvPr id="9" name="Picture 8">
+          <p:cNvPr id="4" name="Picture 3">
             <a:extLst>
               <a:ext uri="{FF2B5EF4-FFF2-40B4-BE49-F238E27FC236}">
-                <a16:creationId xmlns:a16="http://schemas.microsoft.com/office/drawing/2014/main" id="{E745AA7E-0492-7DC9-F5BF-21AFFA9F795B}"/>
+                <a16:creationId xmlns:a16="http://schemas.microsoft.com/office/drawing/2014/main" id="{BD9232CF-9183-9243-EFB1-D6F087F0C11B}"/>
               </a:ext>
             </a:extLst>
           </p:cNvPr>
@@ -10773,8 +10911,8 @@
         </p:blipFill>
         <p:spPr>
           <a:xfrm>
-            <a:off x="1891962" y="1194785"/>
-            <a:ext cx="5536954" cy="5455227"/>
+            <a:off x="1329816" y="1045151"/>
+            <a:ext cx="5686784" cy="5598693"/>
           </a:xfrm>
           <a:prstGeom prst="rect">
             <a:avLst/>
@@ -10794,7 +10932,7 @@
 </p:sld>
 </file>
 
-<file path=ppt/slides/slide13.xml><?xml version="1.0" encoding="utf-8"?>
+<file path=ppt/slides/slide14.xml><?xml version="1.0" encoding="utf-8"?>
 <p:sld xmlns:a="http://schemas.openxmlformats.org/drawingml/2006/main" xmlns:r="http://schemas.openxmlformats.org/officeDocument/2006/relationships" xmlns:p="http://schemas.openxmlformats.org/presentationml/2006/main">
   <p:cSld>
     <p:spTree>
@@ -10854,10 +10992,10 @@
       </p:sp>
       <p:pic>
         <p:nvPicPr>
-          <p:cNvPr id="6" name="Picture 5">
+          <p:cNvPr id="7" name="Picture 6">
             <a:extLst>
               <a:ext uri="{FF2B5EF4-FFF2-40B4-BE49-F238E27FC236}">
-                <a16:creationId xmlns:a16="http://schemas.microsoft.com/office/drawing/2014/main" id="{DE1666AF-18E7-AA60-9CD8-777B53EA66FB}"/>
+                <a16:creationId xmlns:a16="http://schemas.microsoft.com/office/drawing/2014/main" id="{D3AB55BE-06C2-0CEC-BFC7-4F3F541EC318}"/>
               </a:ext>
             </a:extLst>
           </p:cNvPr>
@@ -10874,8 +11012,8 @@
         </p:blipFill>
         <p:spPr>
           <a:xfrm>
-            <a:off x="1693940" y="1067261"/>
-            <a:ext cx="5896798" cy="5630061"/>
+            <a:off x="800099" y="1121034"/>
+            <a:ext cx="7306727" cy="5500702"/>
           </a:xfrm>
           <a:prstGeom prst="rect">
             <a:avLst/>
@@ -10895,7 +11033,7 @@
 </p:sld>
 </file>
 
-<file path=ppt/slides/slide14.xml><?xml version="1.0" encoding="utf-8"?>
+<file path=ppt/slides/slide15.xml><?xml version="1.0" encoding="utf-8"?>
 <p:sld xmlns:a="http://schemas.openxmlformats.org/drawingml/2006/main" xmlns:r="http://schemas.openxmlformats.org/officeDocument/2006/relationships" xmlns:p="http://schemas.openxmlformats.org/presentationml/2006/main">
   <p:cSld>
     <p:spTree>
@@ -10936,7 +11074,7 @@
         </p:nvSpPr>
         <p:spPr>
           <a:xfrm>
-            <a:off x="361243" y="312003"/>
+            <a:off x="361244" y="228876"/>
             <a:ext cx="8421512" cy="830997"/>
           </a:xfrm>
         </p:spPr>
@@ -10955,10 +11093,10 @@
       </p:sp>
       <p:pic>
         <p:nvPicPr>
-          <p:cNvPr id="5" name="Picture 4">
+          <p:cNvPr id="4" name="Picture 3">
             <a:extLst>
               <a:ext uri="{FF2B5EF4-FFF2-40B4-BE49-F238E27FC236}">
-                <a16:creationId xmlns:a16="http://schemas.microsoft.com/office/drawing/2014/main" id="{F68DADE9-0E17-E1A6-1167-0C774976BD05}"/>
+                <a16:creationId xmlns:a16="http://schemas.microsoft.com/office/drawing/2014/main" id="{ED865633-15DA-6EB4-C70D-6BDC4EBB3B2F}"/>
               </a:ext>
             </a:extLst>
           </p:cNvPr>
@@ -10975,8 +11113,8 @@
         </p:blipFill>
         <p:spPr>
           <a:xfrm>
-            <a:off x="2296391" y="1086297"/>
-            <a:ext cx="4983599" cy="5459699"/>
+            <a:off x="1745561" y="964202"/>
+            <a:ext cx="5267357" cy="5781984"/>
           </a:xfrm>
           <a:prstGeom prst="rect">
             <a:avLst/>
@@ -10996,7 +11134,7 @@
 </p:sld>
 </file>
 
-<file path=ppt/slides/slide15.xml><?xml version="1.0" encoding="utf-8"?>
+<file path=ppt/slides/slide16.xml><?xml version="1.0" encoding="utf-8"?>
 <p:sld xmlns:a="http://schemas.openxmlformats.org/drawingml/2006/main" xmlns:r="http://schemas.openxmlformats.org/officeDocument/2006/relationships" xmlns:p="http://schemas.openxmlformats.org/presentationml/2006/main">
   <p:cSld>
     <p:spTree>
@@ -11037,7 +11175,7 @@
         </p:nvSpPr>
         <p:spPr>
           <a:xfrm>
-            <a:off x="361243" y="312003"/>
+            <a:off x="361244" y="143584"/>
             <a:ext cx="8421512" cy="830997"/>
           </a:xfrm>
         </p:spPr>
@@ -11056,10 +11194,10 @@
       </p:sp>
       <p:pic>
         <p:nvPicPr>
-          <p:cNvPr id="4" name="Picture 3">
+          <p:cNvPr id="11" name="Picture 10">
             <a:extLst>
               <a:ext uri="{FF2B5EF4-FFF2-40B4-BE49-F238E27FC236}">
-                <a16:creationId xmlns:a16="http://schemas.microsoft.com/office/drawing/2014/main" id="{2E721DEA-BCCF-DF4A-0B95-6A1100848C2D}"/>
+                <a16:creationId xmlns:a16="http://schemas.microsoft.com/office/drawing/2014/main" id="{9A8CCCCE-49F4-4C33-B08E-B98ABB7B1768}"/>
               </a:ext>
             </a:extLst>
           </p:cNvPr>
@@ -11076,8 +11214,8 @@
         </p:blipFill>
         <p:spPr>
           <a:xfrm>
-            <a:off x="1943100" y="842448"/>
-            <a:ext cx="6114042" cy="6015551"/>
+            <a:off x="1557631" y="974581"/>
+            <a:ext cx="5640253" cy="5626204"/>
           </a:xfrm>
           <a:prstGeom prst="rect">
             <a:avLst/>
@@ -11097,7 +11235,7 @@
 </p:sld>
 </file>
 
-<file path=ppt/slides/slide16.xml><?xml version="1.0" encoding="utf-8"?>
+<file path=ppt/slides/slide17.xml><?xml version="1.0" encoding="utf-8"?>
 <p:sld xmlns:a="http://schemas.openxmlformats.org/drawingml/2006/main" xmlns:r="http://schemas.openxmlformats.org/officeDocument/2006/relationships" xmlns:p="http://schemas.openxmlformats.org/presentationml/2006/main">
   <p:cSld>
     <p:spTree>
@@ -11776,95 +11914,41 @@
               <a:buNone/>
             </a:pPr>
             <a:r>
-              <a:rPr lang="en-US" i="1" dirty="0">
+              <a:rPr lang="en-US" dirty="0"/>
+              <a:t>This experiment has two parts</a:t>
+            </a:r>
+          </a:p>
+          <a:p>
+            <a:r>
+              <a:rPr lang="en-US" dirty="0"/>
+              <a:t>In part 1, you will do at least 3 trials of </a:t>
+            </a:r>
+            <a:r>
+              <a:rPr lang="en-US" dirty="0">
                 <a:solidFill>
-                  <a:srgbClr val="00FF00"/>
+                  <a:schemeClr val="accent1">
+                    <a:lumMod val="60000"/>
+                    <a:lumOff val="40000"/>
+                  </a:schemeClr>
                 </a:solidFill>
               </a:rPr>
-              <a:t>Preparing the </a:t>
-            </a:r>
-            <a:r>
-              <a:rPr lang="en-US" i="1" dirty="0" err="1">
-                <a:solidFill>
-                  <a:srgbClr val="00FF00"/>
-                </a:solidFill>
-              </a:rPr>
-              <a:t>buret</a:t>
-            </a:r>
-            <a:endParaRPr lang="en-US" i="1" dirty="0">
-              <a:solidFill>
-                <a:srgbClr val="00FF00"/>
-              </a:solidFill>
-            </a:endParaRPr>
-          </a:p>
-          <a:p>
-            <a:pPr marL="457200" indent="-457200">
-              <a:buFont typeface="+mj-lt"/>
-              <a:buAutoNum type="arabicPeriod"/>
-            </a:pPr>
+              <a:t>standardizing the concentration of a NaOH solution </a:t>
+            </a:r>
             <a:r>
               <a:rPr lang="en-US" dirty="0"/>
-              <a:t>Rinse the </a:t>
-            </a:r>
-            <a:r>
-              <a:rPr lang="en-US" dirty="0" err="1"/>
-              <a:t>buret</a:t>
-            </a:r>
+              <a:t>using oxalic acid dihydrate. This involves getting a mass of oxalic acid on the balance, dissolving it, and neutralizing it with a color pH indicator to its endpoint</a:t>
+            </a:r>
+          </a:p>
+          <a:p>
             <a:r>
               <a:rPr lang="en-US" dirty="0"/>
-              <a:t> with 5 mL DI water three times (turn </a:t>
-            </a:r>
-            <a:r>
-              <a:rPr lang="en-US" dirty="0" err="1"/>
-              <a:t>buret</a:t>
-            </a:r>
+              <a:t>In part 2, you will use the NaOH solution to neutralize another acid, citric acid, determining the volume you used, to determine the concentration of the acid in a soft drink. This too will be done in 3 trials</a:t>
+            </a:r>
+          </a:p>
+          <a:p>
             <a:r>
               <a:rPr lang="en-US" dirty="0"/>
-              <a:t> on side and rotate it). Collect the rinse in a large waste beaker.</a:t>
-            </a:r>
-          </a:p>
-          <a:p>
-            <a:pPr marL="457200" indent="-457200">
-              <a:buFont typeface="+mj-lt"/>
-              <a:buAutoNum type="arabicPeriod"/>
-            </a:pPr>
-            <a:r>
-              <a:rPr lang="en-US" dirty="0"/>
-              <a:t>Repeat rinsing but with 5 mL of the titrant NaOH solution</a:t>
-            </a:r>
-          </a:p>
-          <a:p>
-            <a:pPr marL="457200" indent="-457200">
-              <a:buFont typeface="+mj-lt"/>
-              <a:buAutoNum type="arabicPeriod"/>
-            </a:pPr>
-            <a:r>
-              <a:rPr lang="en-US" dirty="0"/>
-              <a:t>Clamp the </a:t>
-            </a:r>
-            <a:r>
-              <a:rPr lang="en-US" dirty="0" err="1"/>
-              <a:t>buret</a:t>
-            </a:r>
-            <a:r>
-              <a:rPr lang="en-US" dirty="0"/>
-              <a:t> to the stand and with the waste beaker under it and stopcock open, add several mL to </a:t>
-            </a:r>
-            <a:r>
-              <a:rPr lang="en-US" dirty="0" err="1"/>
-              <a:t>buret</a:t>
-            </a:r>
-            <a:r>
-              <a:rPr lang="en-US" dirty="0"/>
-              <a:t>. As it flows, close stopcock. Ensure flow has filled </a:t>
-            </a:r>
-            <a:r>
-              <a:rPr lang="en-US" dirty="0" err="1"/>
-              <a:t>buret</a:t>
-            </a:r>
-            <a:r>
-              <a:rPr lang="en-US" dirty="0"/>
-              <a:t> tip</a:t>
+              <a:t>In each trial of all parts, it is necessary to achieve the proper color of the indicator to be accurate</a:t>
             </a:r>
           </a:p>
         </p:txBody>
@@ -11883,6 +11967,198 @@
 </file>
 
 <file path=ppt/slides/slide7.xml><?xml version="1.0" encoding="utf-8"?>
+<p:sld xmlns:a="http://schemas.openxmlformats.org/drawingml/2006/main" xmlns:r="http://schemas.openxmlformats.org/officeDocument/2006/relationships" xmlns:p="http://schemas.openxmlformats.org/presentationml/2006/main">
+  <p:cSld>
+    <p:spTree>
+      <p:nvGrpSpPr>
+        <p:cNvPr id="1" name="">
+          <a:extLst>
+            <a:ext uri="{FF2B5EF4-FFF2-40B4-BE49-F238E27FC236}">
+              <a16:creationId xmlns:a16="http://schemas.microsoft.com/office/drawing/2014/main" id="{49CD2643-DD36-56C5-8BE8-01182BD156D7}"/>
+            </a:ext>
+          </a:extLst>
+        </p:cNvPr>
+        <p:cNvGrpSpPr/>
+        <p:nvPr/>
+      </p:nvGrpSpPr>
+      <p:grpSpPr>
+        <a:xfrm>
+          <a:off x="0" y="0"/>
+          <a:ext cx="0" cy="0"/>
+          <a:chOff x="0" y="0"/>
+          <a:chExt cx="0" cy="0"/>
+        </a:xfrm>
+      </p:grpSpPr>
+      <p:sp>
+        <p:nvSpPr>
+          <p:cNvPr id="2" name="Title 1">
+            <a:extLst>
+              <a:ext uri="{FF2B5EF4-FFF2-40B4-BE49-F238E27FC236}">
+                <a16:creationId xmlns:a16="http://schemas.microsoft.com/office/drawing/2014/main" id="{C9B2387C-524E-72F4-EB6F-E149226C8A92}"/>
+              </a:ext>
+            </a:extLst>
+          </p:cNvPr>
+          <p:cNvSpPr>
+            <a:spLocks noGrp="1"/>
+          </p:cNvSpPr>
+          <p:nvPr>
+            <p:ph type="title"/>
+          </p:nvPr>
+        </p:nvSpPr>
+        <p:spPr>
+          <a:xfrm>
+            <a:off x="338666" y="183025"/>
+            <a:ext cx="8421512" cy="769441"/>
+          </a:xfrm>
+        </p:spPr>
+        <p:txBody>
+          <a:bodyPr/>
+          <a:lstStyle/>
+          <a:p>
+            <a:r>
+              <a:rPr lang="en-US" sz="4400" dirty="0"/>
+              <a:t>Procedure</a:t>
+            </a:r>
+          </a:p>
+        </p:txBody>
+      </p:sp>
+      <p:sp>
+        <p:nvSpPr>
+          <p:cNvPr id="6" name="Content Placeholder 5">
+            <a:extLst>
+              <a:ext uri="{FF2B5EF4-FFF2-40B4-BE49-F238E27FC236}">
+                <a16:creationId xmlns:a16="http://schemas.microsoft.com/office/drawing/2014/main" id="{0B14C9E4-E27D-6C8A-FF93-80BD89128698}"/>
+              </a:ext>
+            </a:extLst>
+          </p:cNvPr>
+          <p:cNvSpPr>
+            <a:spLocks noGrp="1"/>
+          </p:cNvSpPr>
+          <p:nvPr>
+            <p:ph idx="1"/>
+          </p:nvPr>
+        </p:nvSpPr>
+        <p:spPr>
+          <a:xfrm>
+            <a:off x="372533" y="952466"/>
+            <a:ext cx="8387645" cy="5595089"/>
+          </a:xfrm>
+        </p:spPr>
+        <p:txBody>
+          <a:bodyPr/>
+          <a:lstStyle/>
+          <a:p>
+            <a:pPr marL="0" indent="0">
+              <a:buNone/>
+            </a:pPr>
+            <a:r>
+              <a:rPr lang="en-US" i="1" dirty="0">
+                <a:solidFill>
+                  <a:srgbClr val="00FF00"/>
+                </a:solidFill>
+              </a:rPr>
+              <a:t>Preparing the </a:t>
+            </a:r>
+            <a:r>
+              <a:rPr lang="en-US" i="1" dirty="0" err="1">
+                <a:solidFill>
+                  <a:srgbClr val="00FF00"/>
+                </a:solidFill>
+              </a:rPr>
+              <a:t>buret</a:t>
+            </a:r>
+            <a:endParaRPr lang="en-US" i="1" dirty="0">
+              <a:solidFill>
+                <a:srgbClr val="00FF00"/>
+              </a:solidFill>
+            </a:endParaRPr>
+          </a:p>
+          <a:p>
+            <a:pPr marL="457200" indent="-457200">
+              <a:buFont typeface="+mj-lt"/>
+              <a:buAutoNum type="arabicPeriod"/>
+            </a:pPr>
+            <a:r>
+              <a:rPr lang="en-US" dirty="0"/>
+              <a:t>Rinse the </a:t>
+            </a:r>
+            <a:r>
+              <a:rPr lang="en-US" dirty="0" err="1"/>
+              <a:t>buret</a:t>
+            </a:r>
+            <a:r>
+              <a:rPr lang="en-US" dirty="0"/>
+              <a:t> with 5 mL DI water three times (turn </a:t>
+            </a:r>
+            <a:r>
+              <a:rPr lang="en-US" dirty="0" err="1"/>
+              <a:t>buret</a:t>
+            </a:r>
+            <a:r>
+              <a:rPr lang="en-US" dirty="0"/>
+              <a:t> on side and rotate it). Collect the rinse in a large waste beaker.</a:t>
+            </a:r>
+          </a:p>
+          <a:p>
+            <a:pPr marL="457200" indent="-457200">
+              <a:buFont typeface="+mj-lt"/>
+              <a:buAutoNum type="arabicPeriod"/>
+            </a:pPr>
+            <a:r>
+              <a:rPr lang="en-US" dirty="0"/>
+              <a:t>Repeat rinsing but with 5 mL of the titrant NaOH solution</a:t>
+            </a:r>
+          </a:p>
+          <a:p>
+            <a:pPr marL="457200" indent="-457200">
+              <a:buFont typeface="+mj-lt"/>
+              <a:buAutoNum type="arabicPeriod"/>
+            </a:pPr>
+            <a:r>
+              <a:rPr lang="en-US" dirty="0"/>
+              <a:t>Clamp the </a:t>
+            </a:r>
+            <a:r>
+              <a:rPr lang="en-US" dirty="0" err="1"/>
+              <a:t>buret</a:t>
+            </a:r>
+            <a:r>
+              <a:rPr lang="en-US" dirty="0"/>
+              <a:t> to the stand and with the waste beaker under it and stopcock open, add several mL to </a:t>
+            </a:r>
+            <a:r>
+              <a:rPr lang="en-US" dirty="0" err="1"/>
+              <a:t>buret</a:t>
+            </a:r>
+            <a:r>
+              <a:rPr lang="en-US" dirty="0"/>
+              <a:t>. As it flows, close stopcock. Ensure flow has filled </a:t>
+            </a:r>
+            <a:r>
+              <a:rPr lang="en-US" dirty="0" err="1"/>
+              <a:t>buret</a:t>
+            </a:r>
+            <a:r>
+              <a:rPr lang="en-US" dirty="0"/>
+              <a:t> tip</a:t>
+            </a:r>
+          </a:p>
+        </p:txBody>
+      </p:sp>
+    </p:spTree>
+    <p:extLst>
+      <p:ext uri="{BB962C8B-B14F-4D97-AF65-F5344CB8AC3E}">
+        <p14:creationId xmlns:p14="http://schemas.microsoft.com/office/powerpoint/2010/main" val="206461902"/>
+      </p:ext>
+    </p:extLst>
+  </p:cSld>
+  <p:clrMapOvr>
+    <a:masterClrMapping/>
+  </p:clrMapOvr>
+</p:sld>
+</file>
+
+<file path=ppt/slides/slide8.xml><?xml version="1.0" encoding="utf-8"?>
 <p:sld xmlns:a="http://schemas.openxmlformats.org/drawingml/2006/main" xmlns:r="http://schemas.openxmlformats.org/officeDocument/2006/relationships" xmlns:p="http://schemas.openxmlformats.org/presentationml/2006/main">
   <p:cSld>
     <p:spTree>
@@ -12087,7 +12363,7 @@
 </p:sld>
 </file>
 
-<file path=ppt/slides/slide8.xml><?xml version="1.0" encoding="utf-8"?>
+<file path=ppt/slides/slide9.xml><?xml version="1.0" encoding="utf-8"?>
 <p:sld xmlns:a="http://schemas.openxmlformats.org/drawingml/2006/main" xmlns:r="http://schemas.openxmlformats.org/officeDocument/2006/relationships" xmlns:p="http://schemas.openxmlformats.org/presentationml/2006/main">
   <p:cSld>
     <p:spTree>
@@ -12242,143 +12518,6 @@
     <p:extLst>
       <p:ext uri="{BB962C8B-B14F-4D97-AF65-F5344CB8AC3E}">
         <p14:creationId xmlns:p14="http://schemas.microsoft.com/office/powerpoint/2010/main" val="3378126116"/>
-      </p:ext>
-    </p:extLst>
-  </p:cSld>
-  <p:clrMapOvr>
-    <a:masterClrMapping/>
-  </p:clrMapOvr>
-</p:sld>
-</file>
-
-<file path=ppt/slides/slide9.xml><?xml version="1.0" encoding="utf-8"?>
-<p:sld xmlns:a="http://schemas.openxmlformats.org/drawingml/2006/main" xmlns:r="http://schemas.openxmlformats.org/officeDocument/2006/relationships" xmlns:p="http://schemas.openxmlformats.org/presentationml/2006/main">
-  <p:cSld>
-    <p:spTree>
-      <p:nvGrpSpPr>
-        <p:cNvPr id="1" name="">
-          <a:extLst>
-            <a:ext uri="{FF2B5EF4-FFF2-40B4-BE49-F238E27FC236}">
-              <a16:creationId xmlns:a16="http://schemas.microsoft.com/office/drawing/2014/main" id="{E8D80D32-0346-D500-B15B-E1E54834AE81}"/>
-            </a:ext>
-          </a:extLst>
-        </p:cNvPr>
-        <p:cNvGrpSpPr/>
-        <p:nvPr/>
-      </p:nvGrpSpPr>
-      <p:grpSpPr>
-        <a:xfrm>
-          <a:off x="0" y="0"/>
-          <a:ext cx="0" cy="0"/>
-          <a:chOff x="0" y="0"/>
-          <a:chExt cx="0" cy="0"/>
-        </a:xfrm>
-      </p:grpSpPr>
-      <p:sp>
-        <p:nvSpPr>
-          <p:cNvPr id="2" name="Title 1">
-            <a:extLst>
-              <a:ext uri="{FF2B5EF4-FFF2-40B4-BE49-F238E27FC236}">
-                <a16:creationId xmlns:a16="http://schemas.microsoft.com/office/drawing/2014/main" id="{6737EC1E-53AA-DE42-E643-9EE7E17C8537}"/>
-              </a:ext>
-            </a:extLst>
-          </p:cNvPr>
-          <p:cNvSpPr>
-            <a:spLocks noGrp="1"/>
-          </p:cNvSpPr>
-          <p:nvPr>
-            <p:ph type="title"/>
-          </p:nvPr>
-        </p:nvSpPr>
-        <p:spPr>
-          <a:xfrm>
-            <a:off x="338666" y="183025"/>
-            <a:ext cx="8421512" cy="769441"/>
-          </a:xfrm>
-        </p:spPr>
-        <p:txBody>
-          <a:bodyPr/>
-          <a:lstStyle/>
-          <a:p>
-            <a:r>
-              <a:rPr lang="en-US" sz="4400" dirty="0"/>
-              <a:t>Procedure</a:t>
-            </a:r>
-          </a:p>
-        </p:txBody>
-      </p:sp>
-      <p:sp>
-        <p:nvSpPr>
-          <p:cNvPr id="6" name="Content Placeholder 5">
-            <a:extLst>
-              <a:ext uri="{FF2B5EF4-FFF2-40B4-BE49-F238E27FC236}">
-                <a16:creationId xmlns:a16="http://schemas.microsoft.com/office/drawing/2014/main" id="{C845BD27-68B3-638C-6848-7B1736EE5D0B}"/>
-              </a:ext>
-            </a:extLst>
-          </p:cNvPr>
-          <p:cNvSpPr>
-            <a:spLocks noGrp="1"/>
-          </p:cNvSpPr>
-          <p:nvPr>
-            <p:ph idx="1"/>
-          </p:nvPr>
-        </p:nvSpPr>
-        <p:spPr>
-          <a:xfrm>
-            <a:off x="372533" y="952466"/>
-            <a:ext cx="8387645" cy="5595089"/>
-          </a:xfrm>
-        </p:spPr>
-        <p:txBody>
-          <a:bodyPr/>
-          <a:lstStyle/>
-          <a:p>
-            <a:pPr marL="0" indent="0">
-              <a:buNone/>
-            </a:pPr>
-            <a:r>
-              <a:rPr lang="en-US" i="1" dirty="0">
-                <a:solidFill>
-                  <a:srgbClr val="00FF00"/>
-                </a:solidFill>
-              </a:rPr>
-              <a:t>Part I-Standardization</a:t>
-            </a:r>
-          </a:p>
-          <a:p>
-            <a:pPr marL="457200" indent="-457200">
-              <a:buFont typeface="+mj-lt"/>
-              <a:buAutoNum type="arabicPeriod" startAt="12"/>
-            </a:pPr>
-            <a:r>
-              <a:rPr lang="en-US" dirty="0"/>
-              <a:t> Record the final </a:t>
-            </a:r>
-            <a:r>
-              <a:rPr lang="en-US" dirty="0" err="1"/>
-              <a:t>buret</a:t>
-            </a:r>
-            <a:r>
-              <a:rPr lang="en-US" dirty="0"/>
-              <a:t> reading</a:t>
-            </a:r>
-          </a:p>
-          <a:p>
-            <a:pPr marL="457200" indent="-457200">
-              <a:buFont typeface="+mj-lt"/>
-              <a:buAutoNum type="arabicPeriod" startAt="12"/>
-            </a:pPr>
-            <a:r>
-              <a:rPr lang="en-US" dirty="0"/>
-              <a:t> Repeat the standardization steps for additional trials, and especially if over-titrations occurred (the pink is too intense/bright)</a:t>
-            </a:r>
-          </a:p>
-        </p:txBody>
-      </p:sp>
-    </p:spTree>
-    <p:extLst>
-      <p:ext uri="{BB962C8B-B14F-4D97-AF65-F5344CB8AC3E}">
-        <p14:creationId xmlns:p14="http://schemas.microsoft.com/office/powerpoint/2010/main" val="3272621178"/>
       </p:ext>
     </p:extLst>
   </p:cSld>

--- a/Teaching/Chemistry/Labs/FCC Chem 3A Expt 12b Determination of Citric Acid in Soda.pptx
+++ b/Teaching/Chemistry/Labs/FCC Chem 3A Expt 12b Determination of Citric Acid in Soda.pptx
@@ -11303,25 +11303,18 @@
           <a:p>
             <a:r>
               <a:rPr lang="en-US" dirty="0"/>
-              <a:t>The copper sulfide product goes into solids waste container</a:t>
-            </a:r>
+              <a:t>Pour waste solutions in the aqueous solution carboy located in the fume hood (</a:t>
+            </a:r>
+            <a:r>
+              <a:rPr lang="en-US"/>
+              <a:t>usually placed near door)</a:t>
+            </a:r>
+            <a:endParaRPr lang="en-US" dirty="0"/>
           </a:p>
           <a:p>
             <a:r>
               <a:rPr lang="en-US" dirty="0"/>
-              <a:t>WITHOUT AT ALL GETTING CRUCIBLE WET WITH ANY WATER, wipe crucible with dry paper towel</a:t>
-            </a:r>
-          </a:p>
-          <a:p>
-            <a:r>
-              <a:rPr lang="en-US" dirty="0"/>
-              <a:t>Use soapy water to clean the watch glass</a:t>
-            </a:r>
-          </a:p>
-          <a:p>
-            <a:r>
-              <a:rPr lang="en-US" dirty="0"/>
-              <a:t>Place all other items in appropriate locations</a:t>
+              <a:t>Clean up other equipment as done previously in the lab</a:t>
             </a:r>
           </a:p>
         </p:txBody>
